--- a/Deliverable 6/Presentación/PROVISIONALES/APARTADOS 6 A 10.pptx
+++ b/Deliverable 6/Presentación/PROVISIONALES/APARTADOS 6 A 10.pptx
@@ -109,6 +109,11 @@
       </a:defRPr>
     </a:lvl9pPr>
   </p:defaultTextStyle>
+  <p:extLst>
+    <p:ext uri="{EFAFB233-063F-42B5-8137-9DF3F51BA10A}">
+      <p15:sldGuideLst xmlns:p15="http://schemas.microsoft.com/office/powerpoint/2012/main"/>
+    </p:ext>
+  </p:extLst>
 </p:presentation>
 </file>
 
@@ -5483,11 +5488,11 @@
           <c:showBubbleSize val="0"/>
         </c:dLbls>
         <c:smooth val="0"/>
-        <c:axId val="-1165073584"/>
-        <c:axId val="-1165070864"/>
+        <c:axId val="-555412080"/>
+        <c:axId val="-555408272"/>
       </c:lineChart>
       <c:dateAx>
-        <c:axId val="-1165073584"/>
+        <c:axId val="-555412080"/>
         <c:scaling>
           <c:orientation val="minMax"/>
         </c:scaling>
@@ -5607,14 +5612,14 @@
             <a:endParaRPr lang="es-ES"/>
           </a:p>
         </c:txPr>
-        <c:crossAx val="-1165070864"/>
+        <c:crossAx val="-555408272"/>
         <c:crosses val="autoZero"/>
         <c:auto val="1"/>
         <c:lblOffset val="100"/>
         <c:baseTimeUnit val="days"/>
       </c:dateAx>
       <c:valAx>
-        <c:axId val="-1165070864"/>
+        <c:axId val="-555408272"/>
         <c:scaling>
           <c:orientation val="minMax"/>
           <c:max val="5000000"/>
@@ -5726,7 +5731,7 @@
             <a:endParaRPr lang="es-ES"/>
           </a:p>
         </c:txPr>
-        <c:crossAx val="-1165073584"/>
+        <c:crossAx val="-555412080"/>
         <c:crosses val="autoZero"/>
         <c:crossBetween val="between"/>
         <c:dispUnits>
@@ -7651,6 +7656,13 @@
         </dgm:presLayoutVars>
       </dgm:prSet>
       <dgm:spPr/>
+      <dgm:t>
+        <a:bodyPr/>
+        <a:lstStyle/>
+        <a:p>
+          <a:endParaRPr lang="en-US"/>
+        </a:p>
+      </dgm:t>
     </dgm:pt>
     <dgm:pt modelId="{1A19D419-2E4B-4FFF-ACD5-A40E6ECD2456}" type="pres">
       <dgm:prSet presAssocID="{119F1C5C-9C62-4DD3-B79F-234760C8EB6A}" presName="hierRoot1" presStyleCnt="0"/>
@@ -7686,6 +7698,13 @@
     <dgm:pt modelId="{AC3D02E9-2755-45BF-9492-AF61A47E1498}" type="pres">
       <dgm:prSet presAssocID="{A9A8B58E-BB23-4146-94F7-6756A8364B2C}" presName="Name10" presStyleLbl="parChTrans1D2" presStyleIdx="0" presStyleCnt="5"/>
       <dgm:spPr/>
+      <dgm:t>
+        <a:bodyPr/>
+        <a:lstStyle/>
+        <a:p>
+          <a:endParaRPr lang="en-US"/>
+        </a:p>
+      </dgm:t>
     </dgm:pt>
     <dgm:pt modelId="{67007CA5-D6E0-4878-8D2D-E41E24CBA5A4}" type="pres">
       <dgm:prSet presAssocID="{95070832-A756-4743-8B7B-C7D9AF1CFD86}" presName="hierRoot2" presStyleCnt="0"/>
@@ -7721,6 +7740,13 @@
     <dgm:pt modelId="{C07553E5-30A6-4FAB-9DA5-8A3281D08956}" type="pres">
       <dgm:prSet presAssocID="{87EF6195-8242-4A59-AFC6-66EBDDAD8F5E}" presName="Name17" presStyleLbl="parChTrans1D3" presStyleIdx="0" presStyleCnt="9"/>
       <dgm:spPr/>
+      <dgm:t>
+        <a:bodyPr/>
+        <a:lstStyle/>
+        <a:p>
+          <a:endParaRPr lang="en-US"/>
+        </a:p>
+      </dgm:t>
     </dgm:pt>
     <dgm:pt modelId="{82062334-86AE-4E30-8816-E7211768C394}" type="pres">
       <dgm:prSet presAssocID="{28D54FF4-9E6D-4AB0-AC4E-A65029E85B39}" presName="hierRoot3" presStyleCnt="0"/>
@@ -7756,6 +7782,13 @@
     <dgm:pt modelId="{F68BE67F-EF34-4DFF-92C4-B772B9545D46}" type="pres">
       <dgm:prSet presAssocID="{72F91D59-D919-48D2-8FB6-AC2332A0254B}" presName="Name10" presStyleLbl="parChTrans1D2" presStyleIdx="1" presStyleCnt="5"/>
       <dgm:spPr/>
+      <dgm:t>
+        <a:bodyPr/>
+        <a:lstStyle/>
+        <a:p>
+          <a:endParaRPr lang="en-US"/>
+        </a:p>
+      </dgm:t>
     </dgm:pt>
     <dgm:pt modelId="{A0DF1754-2731-4529-885E-23BED53A9ACC}" type="pres">
       <dgm:prSet presAssocID="{0707A41B-74C9-422F-A942-75AE07AD20C6}" presName="hierRoot2" presStyleCnt="0"/>
@@ -7791,6 +7824,13 @@
     <dgm:pt modelId="{0807A5EC-D6FD-4887-89C2-7B7D513C8195}" type="pres">
       <dgm:prSet presAssocID="{81A66DE3-DBAC-4D2B-87B3-E5FD41C7E392}" presName="Name17" presStyleLbl="parChTrans1D3" presStyleIdx="1" presStyleCnt="9"/>
       <dgm:spPr/>
+      <dgm:t>
+        <a:bodyPr/>
+        <a:lstStyle/>
+        <a:p>
+          <a:endParaRPr lang="en-US"/>
+        </a:p>
+      </dgm:t>
     </dgm:pt>
     <dgm:pt modelId="{43FC82F1-3E4B-4A59-9696-21A989E5405E}" type="pres">
       <dgm:prSet presAssocID="{76C20149-5011-4980-920B-E6ECD3F3F0E3}" presName="hierRoot3" presStyleCnt="0"/>
@@ -7826,6 +7866,13 @@
     <dgm:pt modelId="{E3F3BBA6-AB58-418A-AFF8-679818877F64}" type="pres">
       <dgm:prSet presAssocID="{0B719430-C774-4142-BA95-1372332215C3}" presName="Name17" presStyleLbl="parChTrans1D3" presStyleIdx="2" presStyleCnt="9"/>
       <dgm:spPr/>
+      <dgm:t>
+        <a:bodyPr/>
+        <a:lstStyle/>
+        <a:p>
+          <a:endParaRPr lang="en-US"/>
+        </a:p>
+      </dgm:t>
     </dgm:pt>
     <dgm:pt modelId="{CDC5946C-DC96-464A-ABB3-96F2C6F195BA}" type="pres">
       <dgm:prSet presAssocID="{DB8FA9C0-F4F4-4B95-88FF-EC0A473A53C3}" presName="hierRoot3" presStyleCnt="0"/>
@@ -7861,6 +7908,13 @@
     <dgm:pt modelId="{5EA18FE6-5B18-4F1C-9718-B739F61F11C4}" type="pres">
       <dgm:prSet presAssocID="{E0B2BE69-2B85-4FAE-BE77-A88E51544CE5}" presName="Name17" presStyleLbl="parChTrans1D3" presStyleIdx="3" presStyleCnt="9"/>
       <dgm:spPr/>
+      <dgm:t>
+        <a:bodyPr/>
+        <a:lstStyle/>
+        <a:p>
+          <a:endParaRPr lang="en-US"/>
+        </a:p>
+      </dgm:t>
     </dgm:pt>
     <dgm:pt modelId="{B13892C1-EE70-4119-9043-1D858F620EA6}" type="pres">
       <dgm:prSet presAssocID="{7B975B20-F15E-4B47-8DE2-399CA4FE0F68}" presName="hierRoot3" presStyleCnt="0"/>
@@ -7896,6 +7950,13 @@
     <dgm:pt modelId="{1E2DF5AB-FC7A-4816-AAA5-59EFAB7698E7}" type="pres">
       <dgm:prSet presAssocID="{C3172D66-F2B7-4526-B6C1-6353C93CA9C9}" presName="Name17" presStyleLbl="parChTrans1D3" presStyleIdx="4" presStyleCnt="9"/>
       <dgm:spPr/>
+      <dgm:t>
+        <a:bodyPr/>
+        <a:lstStyle/>
+        <a:p>
+          <a:endParaRPr lang="en-US"/>
+        </a:p>
+      </dgm:t>
     </dgm:pt>
     <dgm:pt modelId="{17BD1965-4796-4B6E-8DA9-012371436380}" type="pres">
       <dgm:prSet presAssocID="{8FF50A38-27D3-40BE-9B90-11FD6E20573B}" presName="hierRoot3" presStyleCnt="0"/>
@@ -7916,6 +7977,13 @@
         </dgm:presLayoutVars>
       </dgm:prSet>
       <dgm:spPr/>
+      <dgm:t>
+        <a:bodyPr/>
+        <a:lstStyle/>
+        <a:p>
+          <a:endParaRPr lang="en-US"/>
+        </a:p>
+      </dgm:t>
     </dgm:pt>
     <dgm:pt modelId="{9DEC8CD6-DEB2-4AA0-8784-20C02535297B}" type="pres">
       <dgm:prSet presAssocID="{8FF50A38-27D3-40BE-9B90-11FD6E20573B}" presName="hierChild4" presStyleCnt="0"/>
@@ -7924,6 +7992,13 @@
     <dgm:pt modelId="{C567AC94-59DD-414C-92E8-C5B0A878EF0C}" type="pres">
       <dgm:prSet presAssocID="{B39D7DD0-E668-41B5-9E37-DD621ECEC002}" presName="Name10" presStyleLbl="parChTrans1D2" presStyleIdx="2" presStyleCnt="5"/>
       <dgm:spPr/>
+      <dgm:t>
+        <a:bodyPr/>
+        <a:lstStyle/>
+        <a:p>
+          <a:endParaRPr lang="en-US"/>
+        </a:p>
+      </dgm:t>
     </dgm:pt>
     <dgm:pt modelId="{32C566B4-7FCB-4613-815A-DD11FF701D58}" type="pres">
       <dgm:prSet presAssocID="{ED39A0B3-A38D-459F-9249-FBF9A3A1D359}" presName="hierRoot2" presStyleCnt="0"/>
@@ -7959,6 +8034,13 @@
     <dgm:pt modelId="{B313B62C-12A1-4A2C-BF17-8565AC6468F7}" type="pres">
       <dgm:prSet presAssocID="{12D4F295-42C7-4E0F-9249-363EA2B0BEBD}" presName="Name17" presStyleLbl="parChTrans1D3" presStyleIdx="5" presStyleCnt="9"/>
       <dgm:spPr/>
+      <dgm:t>
+        <a:bodyPr/>
+        <a:lstStyle/>
+        <a:p>
+          <a:endParaRPr lang="en-US"/>
+        </a:p>
+      </dgm:t>
     </dgm:pt>
     <dgm:pt modelId="{658E7CBF-4183-4590-B221-F19594898007}" type="pres">
       <dgm:prSet presAssocID="{9EEBAB28-72AD-4008-9E04-7F62BBBD2053}" presName="hierRoot3" presStyleCnt="0"/>
@@ -7994,6 +8076,13 @@
     <dgm:pt modelId="{B700C801-4D3D-4CA1-B10B-4E2A7B8FB448}" type="pres">
       <dgm:prSet presAssocID="{ADB41509-2B59-4DB0-BC8C-EBA087F6C4BF}" presName="Name17" presStyleLbl="parChTrans1D3" presStyleIdx="6" presStyleCnt="9"/>
       <dgm:spPr/>
+      <dgm:t>
+        <a:bodyPr/>
+        <a:lstStyle/>
+        <a:p>
+          <a:endParaRPr lang="en-US"/>
+        </a:p>
+      </dgm:t>
     </dgm:pt>
     <dgm:pt modelId="{BE2F5C0F-6B93-4AD5-AE9C-61D08DC64040}" type="pres">
       <dgm:prSet presAssocID="{E1C0800C-C548-43F0-AA09-07B26C0233EF}" presName="hierRoot3" presStyleCnt="0"/>
@@ -8014,6 +8103,13 @@
         </dgm:presLayoutVars>
       </dgm:prSet>
       <dgm:spPr/>
+      <dgm:t>
+        <a:bodyPr/>
+        <a:lstStyle/>
+        <a:p>
+          <a:endParaRPr lang="en-US"/>
+        </a:p>
+      </dgm:t>
     </dgm:pt>
     <dgm:pt modelId="{5A76FFE5-D409-4397-A8D8-611AD9966B6D}" type="pres">
       <dgm:prSet presAssocID="{E1C0800C-C548-43F0-AA09-07B26C0233EF}" presName="hierChild4" presStyleCnt="0"/>
@@ -8022,6 +8118,13 @@
     <dgm:pt modelId="{9183D929-B30C-4C4B-BDF2-2D5DC9DB7FA1}" type="pres">
       <dgm:prSet presAssocID="{72F90A6A-A2E5-4ACB-9D97-B001094EB89C}" presName="Name10" presStyleLbl="parChTrans1D2" presStyleIdx="3" presStyleCnt="5"/>
       <dgm:spPr/>
+      <dgm:t>
+        <a:bodyPr/>
+        <a:lstStyle/>
+        <a:p>
+          <a:endParaRPr lang="en-US"/>
+        </a:p>
+      </dgm:t>
     </dgm:pt>
     <dgm:pt modelId="{7F5830B7-ECD7-4863-9D68-A39F5536BF9D}" type="pres">
       <dgm:prSet presAssocID="{244B309C-2678-4998-A511-AD3D6F80E0AA}" presName="hierRoot2" presStyleCnt="0"/>
@@ -8042,6 +8145,13 @@
         </dgm:presLayoutVars>
       </dgm:prSet>
       <dgm:spPr/>
+      <dgm:t>
+        <a:bodyPr/>
+        <a:lstStyle/>
+        <a:p>
+          <a:endParaRPr lang="en-US"/>
+        </a:p>
+      </dgm:t>
     </dgm:pt>
     <dgm:pt modelId="{DAD7FC68-7B40-490A-AB6B-817B5A921A85}" type="pres">
       <dgm:prSet presAssocID="{244B309C-2678-4998-A511-AD3D6F80E0AA}" presName="hierChild3" presStyleCnt="0"/>
@@ -8050,6 +8160,13 @@
     <dgm:pt modelId="{4E5C808D-52C1-4EF7-A221-06D9E76E504F}" type="pres">
       <dgm:prSet presAssocID="{D7826F66-DFB0-494E-A220-006F86ED37BE}" presName="Name17" presStyleLbl="parChTrans1D3" presStyleIdx="7" presStyleCnt="9"/>
       <dgm:spPr/>
+      <dgm:t>
+        <a:bodyPr/>
+        <a:lstStyle/>
+        <a:p>
+          <a:endParaRPr lang="en-US"/>
+        </a:p>
+      </dgm:t>
     </dgm:pt>
     <dgm:pt modelId="{D2C3BAE4-242E-468B-BEDF-F7F08D740537}" type="pres">
       <dgm:prSet presAssocID="{E2A159AD-E32E-43C6-9A26-E3830D1A9250}" presName="hierRoot3" presStyleCnt="0"/>
@@ -8070,6 +8187,13 @@
         </dgm:presLayoutVars>
       </dgm:prSet>
       <dgm:spPr/>
+      <dgm:t>
+        <a:bodyPr/>
+        <a:lstStyle/>
+        <a:p>
+          <a:endParaRPr lang="en-US"/>
+        </a:p>
+      </dgm:t>
     </dgm:pt>
     <dgm:pt modelId="{4F668087-E515-4930-BDCA-94DB488FBF7D}" type="pres">
       <dgm:prSet presAssocID="{E2A159AD-E32E-43C6-9A26-E3830D1A9250}" presName="hierChild4" presStyleCnt="0"/>
@@ -8078,6 +8202,13 @@
     <dgm:pt modelId="{2FEBDE81-5411-45A0-BEEC-92D3DACC0958}" type="pres">
       <dgm:prSet presAssocID="{BCBA2D8D-D303-4A52-870C-74C661C774A1}" presName="Name10" presStyleLbl="parChTrans1D2" presStyleIdx="4" presStyleCnt="5"/>
       <dgm:spPr/>
+      <dgm:t>
+        <a:bodyPr/>
+        <a:lstStyle/>
+        <a:p>
+          <a:endParaRPr lang="en-US"/>
+        </a:p>
+      </dgm:t>
     </dgm:pt>
     <dgm:pt modelId="{F5A0F514-EDE7-477C-956F-D1DCB1FDDA88}" type="pres">
       <dgm:prSet presAssocID="{C3BEA38E-7561-407B-9D1F-447878A95F46}" presName="hierRoot2" presStyleCnt="0"/>
@@ -8098,6 +8229,13 @@
         </dgm:presLayoutVars>
       </dgm:prSet>
       <dgm:spPr/>
+      <dgm:t>
+        <a:bodyPr/>
+        <a:lstStyle/>
+        <a:p>
+          <a:endParaRPr lang="en-US"/>
+        </a:p>
+      </dgm:t>
     </dgm:pt>
     <dgm:pt modelId="{5C80EFEF-8044-48DF-B656-1573E8D1A436}" type="pres">
       <dgm:prSet presAssocID="{C3BEA38E-7561-407B-9D1F-447878A95F46}" presName="hierChild3" presStyleCnt="0"/>
@@ -8106,6 +8244,13 @@
     <dgm:pt modelId="{AA4EC682-F971-4D0F-A0D6-A987B8FE6365}" type="pres">
       <dgm:prSet presAssocID="{B5DB3EB0-05E5-4FC5-8C9D-6B517D233023}" presName="Name17" presStyleLbl="parChTrans1D3" presStyleIdx="8" presStyleCnt="9"/>
       <dgm:spPr/>
+      <dgm:t>
+        <a:bodyPr/>
+        <a:lstStyle/>
+        <a:p>
+          <a:endParaRPr lang="en-US"/>
+        </a:p>
+      </dgm:t>
     </dgm:pt>
     <dgm:pt modelId="{EB365AA6-5387-4C9B-AC0E-A7B1A2365133}" type="pres">
       <dgm:prSet presAssocID="{47A0EC2E-92DB-422B-B3D0-BBF4F9B24C60}" presName="hierRoot3" presStyleCnt="0"/>
@@ -8156,8 +8301,8 @@
     <dgm:cxn modelId="{1A2AA24B-DC4A-4A56-8DFF-1277A697AD33}" type="presOf" srcId="{B5DB3EB0-05E5-4FC5-8C9D-6B517D233023}" destId="{AA4EC682-F971-4D0F-A0D6-A987B8FE6365}" srcOrd="0" destOrd="0" presId="urn:microsoft.com/office/officeart/2005/8/layout/hierarchy1"/>
     <dgm:cxn modelId="{DAA03417-FE46-4B72-A1E8-D81E4F023FE7}" srcId="{0707A41B-74C9-422F-A942-75AE07AD20C6}" destId="{DB8FA9C0-F4F4-4B95-88FF-EC0A473A53C3}" srcOrd="1" destOrd="0" parTransId="{0B719430-C774-4142-BA95-1372332215C3}" sibTransId="{E4D557D8-B219-447E-8B9D-4524598DDBA3}"/>
     <dgm:cxn modelId="{F2FADCF6-D2BB-48CB-8D10-6F2D9C913C26}" type="presOf" srcId="{7B975B20-F15E-4B47-8DE2-399CA4FE0F68}" destId="{450B797E-5AED-4173-9EB3-90CEFA6A7283}" srcOrd="0" destOrd="0" presId="urn:microsoft.com/office/officeart/2005/8/layout/hierarchy1"/>
+    <dgm:cxn modelId="{5D453D40-1621-4E8C-BC49-A32A5D977CDD}" type="presOf" srcId="{E2A159AD-E32E-43C6-9A26-E3830D1A9250}" destId="{5A4487F5-00D2-48E5-9EA7-D9C1CF334135}" srcOrd="0" destOrd="0" presId="urn:microsoft.com/office/officeart/2005/8/layout/hierarchy1"/>
     <dgm:cxn modelId="{BC50179E-969B-4948-9DCF-45D1CD76D7C4}" type="presOf" srcId="{119F1C5C-9C62-4DD3-B79F-234760C8EB6A}" destId="{73900EF0-FC90-4754-8B0B-319086B4D622}" srcOrd="0" destOrd="0" presId="urn:microsoft.com/office/officeart/2005/8/layout/hierarchy1"/>
-    <dgm:cxn modelId="{5D453D40-1621-4E8C-BC49-A32A5D977CDD}" type="presOf" srcId="{E2A159AD-E32E-43C6-9A26-E3830D1A9250}" destId="{5A4487F5-00D2-48E5-9EA7-D9C1CF334135}" srcOrd="0" destOrd="0" presId="urn:microsoft.com/office/officeart/2005/8/layout/hierarchy1"/>
     <dgm:cxn modelId="{1F2D140B-FA43-452C-B5F7-CD12FA22C701}" type="presOf" srcId="{DB8FA9C0-F4F4-4B95-88FF-EC0A473A53C3}" destId="{BCD653C3-D455-4AC6-8B09-1DC22BE3E6AD}" srcOrd="0" destOrd="0" presId="urn:microsoft.com/office/officeart/2005/8/layout/hierarchy1"/>
     <dgm:cxn modelId="{329F7EAC-DE27-4DC5-A8A7-00A0AC511563}" type="presOf" srcId="{81A66DE3-DBAC-4D2B-87B3-E5FD41C7E392}" destId="{0807A5EC-D6FD-4887-89C2-7B7D513C8195}" srcOrd="0" destOrd="0" presId="urn:microsoft.com/office/officeart/2005/8/layout/hierarchy1"/>
     <dgm:cxn modelId="{77CC731D-1FC7-4BB1-B798-B1FB237DF2F8}" type="presOf" srcId="{28D54FF4-9E6D-4AB0-AC4E-A65029E85B39}" destId="{D527DD43-BF0E-4B16-9D4A-CDF43083651D}" srcOrd="0" destOrd="0" presId="urn:microsoft.com/office/officeart/2005/8/layout/hierarchy1"/>
@@ -15576,7 +15721,7 @@
         </p:nvSpPr>
         <p:spPr>
           <a:xfrm>
-            <a:off x="-1025765" y="-334988"/>
+            <a:off x="-2825990" y="-287363"/>
             <a:ext cx="10515600" cy="1325563"/>
           </a:xfrm>
           <a:prstGeom prst="rect">
@@ -15609,7 +15754,15 @@
           <a:p>
             <a:r>
               <a:rPr lang="en-US" dirty="0" smtClean="0"/>
-              <a:t>6. Cumulative costs	</a:t>
+              <a:t>6. </a:t>
+            </a:r>
+            <a:r>
+              <a:rPr lang="en-US" dirty="0" smtClean="0"/>
+              <a:t>Costs</a:t>
+            </a:r>
+            <a:r>
+              <a:rPr lang="en-US" dirty="0" smtClean="0"/>
+              <a:t>	</a:t>
             </a:r>
             <a:endParaRPr lang="en-US" dirty="0"/>
           </a:p>
@@ -15999,7 +16152,11 @@
           <a:p>
             <a:pPr lvl="1"/>
             <a:r>
-              <a:rPr lang="en-US" dirty="0" smtClean="0"/>
+              <a:rPr lang="en-US" dirty="0" smtClean="0">
+                <a:solidFill>
+                  <a:srgbClr val="FF0000"/>
+                </a:solidFill>
+              </a:rPr>
               <a:t>Quality Control </a:t>
             </a:r>
           </a:p>
@@ -16013,9 +16170,18 @@
           <a:p>
             <a:pPr lvl="1"/>
             <a:r>
-              <a:rPr lang="en-US" dirty="0" smtClean="0"/>
-              <a:t>Auditing</a:t>
+              <a:rPr lang="en-US" dirty="0" smtClean="0">
+                <a:solidFill>
+                  <a:srgbClr val="FF0000"/>
+                </a:solidFill>
+              </a:rPr>
+              <a:t>Auditing – EN ROJO: SON LO MISMO?</a:t>
             </a:r>
+            <a:endParaRPr lang="en-US" dirty="0" smtClean="0">
+              <a:solidFill>
+                <a:srgbClr val="FF0000"/>
+              </a:solidFill>
+            </a:endParaRPr>
           </a:p>
           <a:p>
             <a:r>

--- a/Deliverable 6/Presentación/PROVISIONALES/APARTADOS 6 A 10.pptx
+++ b/Deliverable 6/Presentación/PROVISIONALES/APARTADOS 6 A 10.pptx
@@ -5488,11 +5488,11 @@
           <c:showBubbleSize val="0"/>
         </c:dLbls>
         <c:smooth val="0"/>
-        <c:axId val="-555412080"/>
-        <c:axId val="-555408272"/>
+        <c:axId val="-1698746384"/>
+        <c:axId val="-1698749104"/>
       </c:lineChart>
       <c:dateAx>
-        <c:axId val="-555412080"/>
+        <c:axId val="-1698746384"/>
         <c:scaling>
           <c:orientation val="minMax"/>
         </c:scaling>
@@ -5612,14 +5612,14 @@
             <a:endParaRPr lang="es-ES"/>
           </a:p>
         </c:txPr>
-        <c:crossAx val="-555408272"/>
+        <c:crossAx val="-1698749104"/>
         <c:crosses val="autoZero"/>
         <c:auto val="1"/>
         <c:lblOffset val="100"/>
         <c:baseTimeUnit val="days"/>
       </c:dateAx>
       <c:valAx>
-        <c:axId val="-555408272"/>
+        <c:axId val="-1698749104"/>
         <c:scaling>
           <c:orientation val="minMax"/>
           <c:max val="5000000"/>
@@ -5731,7 +5731,7 @@
             <a:endParaRPr lang="es-ES"/>
           </a:p>
         </c:txPr>
-        <c:crossAx val="-555412080"/>
+        <c:crossAx val="-1698746384"/>
         <c:crosses val="autoZero"/>
         <c:crossBetween val="between"/>
         <c:dispUnits>
@@ -8438,2821 +8438,6 @@
       <dsp:cNvGrpSpPr/>
     </dsp:nvGrpSpPr>
     <dsp:grpSpPr/>
-    <dsp:sp modelId="{AA4EC682-F971-4D0F-A0D6-A987B8FE6365}">
-      <dsp:nvSpPr>
-        <dsp:cNvPr id="0" name=""/>
-        <dsp:cNvSpPr/>
-      </dsp:nvSpPr>
-      <dsp:spPr>
-        <a:xfrm>
-          <a:off x="11083059" y="3082808"/>
-          <a:ext cx="91440" cy="314731"/>
-        </a:xfrm>
-        <a:custGeom>
-          <a:avLst/>
-          <a:gdLst/>
-          <a:ahLst/>
-          <a:cxnLst/>
-          <a:rect l="0" t="0" r="0" b="0"/>
-          <a:pathLst>
-            <a:path>
-              <a:moveTo>
-                <a:pt x="45720" y="0"/>
-              </a:moveTo>
-              <a:lnTo>
-                <a:pt x="45720" y="314731"/>
-              </a:lnTo>
-            </a:path>
-          </a:pathLst>
-        </a:custGeom>
-        <a:noFill/>
-        <a:ln w="12700" cap="flat" cmpd="sng" algn="ctr">
-          <a:solidFill>
-            <a:schemeClr val="accent1">
-              <a:shade val="80000"/>
-              <a:hueOff val="0"/>
-              <a:satOff val="0"/>
-              <a:lumOff val="0"/>
-              <a:alphaOff val="0"/>
-            </a:schemeClr>
-          </a:solidFill>
-          <a:prstDash val="solid"/>
-          <a:miter lim="800000"/>
-        </a:ln>
-        <a:effectLst/>
-      </dsp:spPr>
-      <dsp:style>
-        <a:lnRef idx="2">
-          <a:scrgbClr r="0" g="0" b="0"/>
-        </a:lnRef>
-        <a:fillRef idx="0">
-          <a:scrgbClr r="0" g="0" b="0"/>
-        </a:fillRef>
-        <a:effectRef idx="0">
-          <a:scrgbClr r="0" g="0" b="0"/>
-        </a:effectRef>
-        <a:fontRef idx="minor"/>
-      </dsp:style>
-    </dsp:sp>
-    <dsp:sp modelId="{2FEBDE81-5411-45A0-BEEC-92D3DACC0958}">
-      <dsp:nvSpPr>
-        <dsp:cNvPr id="0" name=""/>
-        <dsp:cNvSpPr/>
-      </dsp:nvSpPr>
-      <dsp:spPr>
-        <a:xfrm>
-          <a:off x="5838172" y="2080899"/>
-          <a:ext cx="5290607" cy="314731"/>
-        </a:xfrm>
-        <a:custGeom>
-          <a:avLst/>
-          <a:gdLst/>
-          <a:ahLst/>
-          <a:cxnLst/>
-          <a:rect l="0" t="0" r="0" b="0"/>
-          <a:pathLst>
-            <a:path>
-              <a:moveTo>
-                <a:pt x="0" y="0"/>
-              </a:moveTo>
-              <a:lnTo>
-                <a:pt x="0" y="214480"/>
-              </a:lnTo>
-              <a:lnTo>
-                <a:pt x="5290607" y="214480"/>
-              </a:lnTo>
-              <a:lnTo>
-                <a:pt x="5290607" y="314731"/>
-              </a:lnTo>
-            </a:path>
-          </a:pathLst>
-        </a:custGeom>
-        <a:noFill/>
-        <a:ln w="12700" cap="flat" cmpd="sng" algn="ctr">
-          <a:solidFill>
-            <a:schemeClr val="accent1">
-              <a:shade val="60000"/>
-              <a:hueOff val="0"/>
-              <a:satOff val="0"/>
-              <a:lumOff val="0"/>
-              <a:alphaOff val="0"/>
-            </a:schemeClr>
-          </a:solidFill>
-          <a:prstDash val="solid"/>
-          <a:miter lim="800000"/>
-        </a:ln>
-        <a:effectLst/>
-      </dsp:spPr>
-      <dsp:style>
-        <a:lnRef idx="2">
-          <a:scrgbClr r="0" g="0" b="0"/>
-        </a:lnRef>
-        <a:fillRef idx="0">
-          <a:scrgbClr r="0" g="0" b="0"/>
-        </a:fillRef>
-        <a:effectRef idx="0">
-          <a:scrgbClr r="0" g="0" b="0"/>
-        </a:effectRef>
-        <a:fontRef idx="minor"/>
-      </dsp:style>
-    </dsp:sp>
-    <dsp:sp modelId="{4E5C808D-52C1-4EF7-A221-06D9E76E504F}">
-      <dsp:nvSpPr>
-        <dsp:cNvPr id="0" name=""/>
-        <dsp:cNvSpPr/>
-      </dsp:nvSpPr>
-      <dsp:spPr>
-        <a:xfrm>
-          <a:off x="9760408" y="3082808"/>
-          <a:ext cx="91440" cy="314731"/>
-        </a:xfrm>
-        <a:custGeom>
-          <a:avLst/>
-          <a:gdLst/>
-          <a:ahLst/>
-          <a:cxnLst/>
-          <a:rect l="0" t="0" r="0" b="0"/>
-          <a:pathLst>
-            <a:path>
-              <a:moveTo>
-                <a:pt x="45720" y="0"/>
-              </a:moveTo>
-              <a:lnTo>
-                <a:pt x="45720" y="314731"/>
-              </a:lnTo>
-            </a:path>
-          </a:pathLst>
-        </a:custGeom>
-        <a:noFill/>
-        <a:ln w="12700" cap="flat" cmpd="sng" algn="ctr">
-          <a:solidFill>
-            <a:schemeClr val="accent1">
-              <a:shade val="80000"/>
-              <a:hueOff val="0"/>
-              <a:satOff val="0"/>
-              <a:lumOff val="0"/>
-              <a:alphaOff val="0"/>
-            </a:schemeClr>
-          </a:solidFill>
-          <a:prstDash val="solid"/>
-          <a:miter lim="800000"/>
-        </a:ln>
-        <a:effectLst/>
-      </dsp:spPr>
-      <dsp:style>
-        <a:lnRef idx="2">
-          <a:scrgbClr r="0" g="0" b="0"/>
-        </a:lnRef>
-        <a:fillRef idx="0">
-          <a:scrgbClr r="0" g="0" b="0"/>
-        </a:fillRef>
-        <a:effectRef idx="0">
-          <a:scrgbClr r="0" g="0" b="0"/>
-        </a:effectRef>
-        <a:fontRef idx="minor"/>
-      </dsp:style>
-    </dsp:sp>
-    <dsp:sp modelId="{9183D929-B30C-4C4B-BDF2-2D5DC9DB7FA1}">
-      <dsp:nvSpPr>
-        <dsp:cNvPr id="0" name=""/>
-        <dsp:cNvSpPr/>
-      </dsp:nvSpPr>
-      <dsp:spPr>
-        <a:xfrm>
-          <a:off x="5838172" y="2080899"/>
-          <a:ext cx="3967955" cy="314731"/>
-        </a:xfrm>
-        <a:custGeom>
-          <a:avLst/>
-          <a:gdLst/>
-          <a:ahLst/>
-          <a:cxnLst/>
-          <a:rect l="0" t="0" r="0" b="0"/>
-          <a:pathLst>
-            <a:path>
-              <a:moveTo>
-                <a:pt x="0" y="0"/>
-              </a:moveTo>
-              <a:lnTo>
-                <a:pt x="0" y="214480"/>
-              </a:lnTo>
-              <a:lnTo>
-                <a:pt x="3967955" y="214480"/>
-              </a:lnTo>
-              <a:lnTo>
-                <a:pt x="3967955" y="314731"/>
-              </a:lnTo>
-            </a:path>
-          </a:pathLst>
-        </a:custGeom>
-        <a:noFill/>
-        <a:ln w="12700" cap="flat" cmpd="sng" algn="ctr">
-          <a:solidFill>
-            <a:schemeClr val="accent1">
-              <a:shade val="60000"/>
-              <a:hueOff val="0"/>
-              <a:satOff val="0"/>
-              <a:lumOff val="0"/>
-              <a:alphaOff val="0"/>
-            </a:schemeClr>
-          </a:solidFill>
-          <a:prstDash val="solid"/>
-          <a:miter lim="800000"/>
-        </a:ln>
-        <a:effectLst/>
-      </dsp:spPr>
-      <dsp:style>
-        <a:lnRef idx="2">
-          <a:scrgbClr r="0" g="0" b="0"/>
-        </a:lnRef>
-        <a:fillRef idx="0">
-          <a:scrgbClr r="0" g="0" b="0"/>
-        </a:fillRef>
-        <a:effectRef idx="0">
-          <a:scrgbClr r="0" g="0" b="0"/>
-        </a:effectRef>
-        <a:fontRef idx="minor"/>
-      </dsp:style>
-    </dsp:sp>
-    <dsp:sp modelId="{B700C801-4D3D-4CA1-B10B-4E2A7B8FB448}">
-      <dsp:nvSpPr>
-        <dsp:cNvPr id="0" name=""/>
-        <dsp:cNvSpPr/>
-      </dsp:nvSpPr>
-      <dsp:spPr>
-        <a:xfrm>
-          <a:off x="7822150" y="3082808"/>
-          <a:ext cx="661325" cy="314731"/>
-        </a:xfrm>
-        <a:custGeom>
-          <a:avLst/>
-          <a:gdLst/>
-          <a:ahLst/>
-          <a:cxnLst/>
-          <a:rect l="0" t="0" r="0" b="0"/>
-          <a:pathLst>
-            <a:path>
-              <a:moveTo>
-                <a:pt x="0" y="0"/>
-              </a:moveTo>
-              <a:lnTo>
-                <a:pt x="0" y="214480"/>
-              </a:lnTo>
-              <a:lnTo>
-                <a:pt x="661325" y="214480"/>
-              </a:lnTo>
-              <a:lnTo>
-                <a:pt x="661325" y="314731"/>
-              </a:lnTo>
-            </a:path>
-          </a:pathLst>
-        </a:custGeom>
-        <a:noFill/>
-        <a:ln w="12700" cap="flat" cmpd="sng" algn="ctr">
-          <a:solidFill>
-            <a:schemeClr val="accent1">
-              <a:shade val="80000"/>
-              <a:hueOff val="0"/>
-              <a:satOff val="0"/>
-              <a:lumOff val="0"/>
-              <a:alphaOff val="0"/>
-            </a:schemeClr>
-          </a:solidFill>
-          <a:prstDash val="solid"/>
-          <a:miter lim="800000"/>
-        </a:ln>
-        <a:effectLst/>
-      </dsp:spPr>
-      <dsp:style>
-        <a:lnRef idx="2">
-          <a:scrgbClr r="0" g="0" b="0"/>
-        </a:lnRef>
-        <a:fillRef idx="0">
-          <a:scrgbClr r="0" g="0" b="0"/>
-        </a:fillRef>
-        <a:effectRef idx="0">
-          <a:scrgbClr r="0" g="0" b="0"/>
-        </a:effectRef>
-        <a:fontRef idx="minor"/>
-      </dsp:style>
-    </dsp:sp>
-    <dsp:sp modelId="{B313B62C-12A1-4A2C-BF17-8565AC6468F7}">
-      <dsp:nvSpPr>
-        <dsp:cNvPr id="0" name=""/>
-        <dsp:cNvSpPr/>
-      </dsp:nvSpPr>
-      <dsp:spPr>
-        <a:xfrm>
-          <a:off x="7160824" y="3082808"/>
-          <a:ext cx="661325" cy="314731"/>
-        </a:xfrm>
-        <a:custGeom>
-          <a:avLst/>
-          <a:gdLst/>
-          <a:ahLst/>
-          <a:cxnLst/>
-          <a:rect l="0" t="0" r="0" b="0"/>
-          <a:pathLst>
-            <a:path>
-              <a:moveTo>
-                <a:pt x="661325" y="0"/>
-              </a:moveTo>
-              <a:lnTo>
-                <a:pt x="661325" y="214480"/>
-              </a:lnTo>
-              <a:lnTo>
-                <a:pt x="0" y="214480"/>
-              </a:lnTo>
-              <a:lnTo>
-                <a:pt x="0" y="314731"/>
-              </a:lnTo>
-            </a:path>
-          </a:pathLst>
-        </a:custGeom>
-        <a:noFill/>
-        <a:ln w="12700" cap="flat" cmpd="sng" algn="ctr">
-          <a:solidFill>
-            <a:schemeClr val="accent1">
-              <a:shade val="80000"/>
-              <a:hueOff val="0"/>
-              <a:satOff val="0"/>
-              <a:lumOff val="0"/>
-              <a:alphaOff val="0"/>
-            </a:schemeClr>
-          </a:solidFill>
-          <a:prstDash val="solid"/>
-          <a:miter lim="800000"/>
-        </a:ln>
-        <a:effectLst/>
-      </dsp:spPr>
-      <dsp:style>
-        <a:lnRef idx="2">
-          <a:scrgbClr r="0" g="0" b="0"/>
-        </a:lnRef>
-        <a:fillRef idx="0">
-          <a:scrgbClr r="0" g="0" b="0"/>
-        </a:fillRef>
-        <a:effectRef idx="0">
-          <a:scrgbClr r="0" g="0" b="0"/>
-        </a:effectRef>
-        <a:fontRef idx="minor"/>
-      </dsp:style>
-    </dsp:sp>
-    <dsp:sp modelId="{C567AC94-59DD-414C-92E8-C5B0A878EF0C}">
-      <dsp:nvSpPr>
-        <dsp:cNvPr id="0" name=""/>
-        <dsp:cNvSpPr/>
-      </dsp:nvSpPr>
-      <dsp:spPr>
-        <a:xfrm>
-          <a:off x="5838172" y="2080899"/>
-          <a:ext cx="1983977" cy="314731"/>
-        </a:xfrm>
-        <a:custGeom>
-          <a:avLst/>
-          <a:gdLst/>
-          <a:ahLst/>
-          <a:cxnLst/>
-          <a:rect l="0" t="0" r="0" b="0"/>
-          <a:pathLst>
-            <a:path>
-              <a:moveTo>
-                <a:pt x="0" y="0"/>
-              </a:moveTo>
-              <a:lnTo>
-                <a:pt x="0" y="214480"/>
-              </a:lnTo>
-              <a:lnTo>
-                <a:pt x="1983977" y="214480"/>
-              </a:lnTo>
-              <a:lnTo>
-                <a:pt x="1983977" y="314731"/>
-              </a:lnTo>
-            </a:path>
-          </a:pathLst>
-        </a:custGeom>
-        <a:noFill/>
-        <a:ln w="12700" cap="flat" cmpd="sng" algn="ctr">
-          <a:solidFill>
-            <a:schemeClr val="accent1">
-              <a:shade val="60000"/>
-              <a:hueOff val="0"/>
-              <a:satOff val="0"/>
-              <a:lumOff val="0"/>
-              <a:alphaOff val="0"/>
-            </a:schemeClr>
-          </a:solidFill>
-          <a:prstDash val="solid"/>
-          <a:miter lim="800000"/>
-        </a:ln>
-        <a:effectLst/>
-      </dsp:spPr>
-      <dsp:style>
-        <a:lnRef idx="2">
-          <a:scrgbClr r="0" g="0" b="0"/>
-        </a:lnRef>
-        <a:fillRef idx="0">
-          <a:scrgbClr r="0" g="0" b="0"/>
-        </a:fillRef>
-        <a:effectRef idx="0">
-          <a:scrgbClr r="0" g="0" b="0"/>
-        </a:effectRef>
-        <a:fontRef idx="minor"/>
-      </dsp:style>
-    </dsp:sp>
-    <dsp:sp modelId="{1E2DF5AB-FC7A-4816-AAA5-59EFAB7698E7}">
-      <dsp:nvSpPr>
-        <dsp:cNvPr id="0" name=""/>
-        <dsp:cNvSpPr/>
-      </dsp:nvSpPr>
-      <dsp:spPr>
-        <a:xfrm>
-          <a:off x="3854194" y="3082808"/>
-          <a:ext cx="1983977" cy="314731"/>
-        </a:xfrm>
-        <a:custGeom>
-          <a:avLst/>
-          <a:gdLst/>
-          <a:ahLst/>
-          <a:cxnLst/>
-          <a:rect l="0" t="0" r="0" b="0"/>
-          <a:pathLst>
-            <a:path>
-              <a:moveTo>
-                <a:pt x="0" y="0"/>
-              </a:moveTo>
-              <a:lnTo>
-                <a:pt x="0" y="214480"/>
-              </a:lnTo>
-              <a:lnTo>
-                <a:pt x="1983977" y="214480"/>
-              </a:lnTo>
-              <a:lnTo>
-                <a:pt x="1983977" y="314731"/>
-              </a:lnTo>
-            </a:path>
-          </a:pathLst>
-        </a:custGeom>
-        <a:noFill/>
-        <a:ln w="12700" cap="flat" cmpd="sng" algn="ctr">
-          <a:solidFill>
-            <a:schemeClr val="accent1">
-              <a:shade val="80000"/>
-              <a:hueOff val="0"/>
-              <a:satOff val="0"/>
-              <a:lumOff val="0"/>
-              <a:alphaOff val="0"/>
-            </a:schemeClr>
-          </a:solidFill>
-          <a:prstDash val="solid"/>
-          <a:miter lim="800000"/>
-        </a:ln>
-        <a:effectLst/>
-      </dsp:spPr>
-      <dsp:style>
-        <a:lnRef idx="2">
-          <a:scrgbClr r="0" g="0" b="0"/>
-        </a:lnRef>
-        <a:fillRef idx="0">
-          <a:scrgbClr r="0" g="0" b="0"/>
-        </a:fillRef>
-        <a:effectRef idx="0">
-          <a:scrgbClr r="0" g="0" b="0"/>
-        </a:effectRef>
-        <a:fontRef idx="minor"/>
-      </dsp:style>
-    </dsp:sp>
-    <dsp:sp modelId="{5EA18FE6-5B18-4F1C-9718-B739F61F11C4}">
-      <dsp:nvSpPr>
-        <dsp:cNvPr id="0" name=""/>
-        <dsp:cNvSpPr/>
-      </dsp:nvSpPr>
-      <dsp:spPr>
-        <a:xfrm>
-          <a:off x="3854194" y="3082808"/>
-          <a:ext cx="661325" cy="314731"/>
-        </a:xfrm>
-        <a:custGeom>
-          <a:avLst/>
-          <a:gdLst/>
-          <a:ahLst/>
-          <a:cxnLst/>
-          <a:rect l="0" t="0" r="0" b="0"/>
-          <a:pathLst>
-            <a:path>
-              <a:moveTo>
-                <a:pt x="0" y="0"/>
-              </a:moveTo>
-              <a:lnTo>
-                <a:pt x="0" y="214480"/>
-              </a:lnTo>
-              <a:lnTo>
-                <a:pt x="661325" y="214480"/>
-              </a:lnTo>
-              <a:lnTo>
-                <a:pt x="661325" y="314731"/>
-              </a:lnTo>
-            </a:path>
-          </a:pathLst>
-        </a:custGeom>
-        <a:noFill/>
-        <a:ln w="12700" cap="flat" cmpd="sng" algn="ctr">
-          <a:solidFill>
-            <a:schemeClr val="accent1">
-              <a:shade val="80000"/>
-              <a:hueOff val="0"/>
-              <a:satOff val="0"/>
-              <a:lumOff val="0"/>
-              <a:alphaOff val="0"/>
-            </a:schemeClr>
-          </a:solidFill>
-          <a:prstDash val="solid"/>
-          <a:miter lim="800000"/>
-        </a:ln>
-        <a:effectLst/>
-      </dsp:spPr>
-      <dsp:style>
-        <a:lnRef idx="2">
-          <a:scrgbClr r="0" g="0" b="0"/>
-        </a:lnRef>
-        <a:fillRef idx="0">
-          <a:scrgbClr r="0" g="0" b="0"/>
-        </a:fillRef>
-        <a:effectRef idx="0">
-          <a:scrgbClr r="0" g="0" b="0"/>
-        </a:effectRef>
-        <a:fontRef idx="minor"/>
-      </dsp:style>
-    </dsp:sp>
-    <dsp:sp modelId="{E3F3BBA6-AB58-418A-AFF8-679818877F64}">
-      <dsp:nvSpPr>
-        <dsp:cNvPr id="0" name=""/>
-        <dsp:cNvSpPr/>
-      </dsp:nvSpPr>
-      <dsp:spPr>
-        <a:xfrm>
-          <a:off x="3192868" y="3082808"/>
-          <a:ext cx="661325" cy="314731"/>
-        </a:xfrm>
-        <a:custGeom>
-          <a:avLst/>
-          <a:gdLst/>
-          <a:ahLst/>
-          <a:cxnLst/>
-          <a:rect l="0" t="0" r="0" b="0"/>
-          <a:pathLst>
-            <a:path>
-              <a:moveTo>
-                <a:pt x="661325" y="0"/>
-              </a:moveTo>
-              <a:lnTo>
-                <a:pt x="661325" y="214480"/>
-              </a:lnTo>
-              <a:lnTo>
-                <a:pt x="0" y="214480"/>
-              </a:lnTo>
-              <a:lnTo>
-                <a:pt x="0" y="314731"/>
-              </a:lnTo>
-            </a:path>
-          </a:pathLst>
-        </a:custGeom>
-        <a:noFill/>
-        <a:ln w="12700" cap="flat" cmpd="sng" algn="ctr">
-          <a:solidFill>
-            <a:schemeClr val="accent1">
-              <a:shade val="80000"/>
-              <a:hueOff val="0"/>
-              <a:satOff val="0"/>
-              <a:lumOff val="0"/>
-              <a:alphaOff val="0"/>
-            </a:schemeClr>
-          </a:solidFill>
-          <a:prstDash val="solid"/>
-          <a:miter lim="800000"/>
-        </a:ln>
-        <a:effectLst/>
-      </dsp:spPr>
-      <dsp:style>
-        <a:lnRef idx="2">
-          <a:scrgbClr r="0" g="0" b="0"/>
-        </a:lnRef>
-        <a:fillRef idx="0">
-          <a:scrgbClr r="0" g="0" b="0"/>
-        </a:fillRef>
-        <a:effectRef idx="0">
-          <a:scrgbClr r="0" g="0" b="0"/>
-        </a:effectRef>
-        <a:fontRef idx="minor"/>
-      </dsp:style>
-    </dsp:sp>
-    <dsp:sp modelId="{0807A5EC-D6FD-4887-89C2-7B7D513C8195}">
-      <dsp:nvSpPr>
-        <dsp:cNvPr id="0" name=""/>
-        <dsp:cNvSpPr/>
-      </dsp:nvSpPr>
-      <dsp:spPr>
-        <a:xfrm>
-          <a:off x="1870216" y="3082808"/>
-          <a:ext cx="1983977" cy="314731"/>
-        </a:xfrm>
-        <a:custGeom>
-          <a:avLst/>
-          <a:gdLst/>
-          <a:ahLst/>
-          <a:cxnLst/>
-          <a:rect l="0" t="0" r="0" b="0"/>
-          <a:pathLst>
-            <a:path>
-              <a:moveTo>
-                <a:pt x="1983977" y="0"/>
-              </a:moveTo>
-              <a:lnTo>
-                <a:pt x="1983977" y="214480"/>
-              </a:lnTo>
-              <a:lnTo>
-                <a:pt x="0" y="214480"/>
-              </a:lnTo>
-              <a:lnTo>
-                <a:pt x="0" y="314731"/>
-              </a:lnTo>
-            </a:path>
-          </a:pathLst>
-        </a:custGeom>
-        <a:noFill/>
-        <a:ln w="12700" cap="flat" cmpd="sng" algn="ctr">
-          <a:solidFill>
-            <a:schemeClr val="accent1">
-              <a:shade val="80000"/>
-              <a:hueOff val="0"/>
-              <a:satOff val="0"/>
-              <a:lumOff val="0"/>
-              <a:alphaOff val="0"/>
-            </a:schemeClr>
-          </a:solidFill>
-          <a:prstDash val="solid"/>
-          <a:miter lim="800000"/>
-        </a:ln>
-        <a:effectLst/>
-      </dsp:spPr>
-      <dsp:style>
-        <a:lnRef idx="2">
-          <a:scrgbClr r="0" g="0" b="0"/>
-        </a:lnRef>
-        <a:fillRef idx="0">
-          <a:scrgbClr r="0" g="0" b="0"/>
-        </a:fillRef>
-        <a:effectRef idx="0">
-          <a:scrgbClr r="0" g="0" b="0"/>
-        </a:effectRef>
-        <a:fontRef idx="minor"/>
-      </dsp:style>
-    </dsp:sp>
-    <dsp:sp modelId="{F68BE67F-EF34-4DFF-92C4-B772B9545D46}">
-      <dsp:nvSpPr>
-        <dsp:cNvPr id="0" name=""/>
-        <dsp:cNvSpPr/>
-      </dsp:nvSpPr>
-      <dsp:spPr>
-        <a:xfrm>
-          <a:off x="3854194" y="2080899"/>
-          <a:ext cx="1983977" cy="314731"/>
-        </a:xfrm>
-        <a:custGeom>
-          <a:avLst/>
-          <a:gdLst/>
-          <a:ahLst/>
-          <a:cxnLst/>
-          <a:rect l="0" t="0" r="0" b="0"/>
-          <a:pathLst>
-            <a:path>
-              <a:moveTo>
-                <a:pt x="1983977" y="0"/>
-              </a:moveTo>
-              <a:lnTo>
-                <a:pt x="1983977" y="214480"/>
-              </a:lnTo>
-              <a:lnTo>
-                <a:pt x="0" y="214480"/>
-              </a:lnTo>
-              <a:lnTo>
-                <a:pt x="0" y="314731"/>
-              </a:lnTo>
-            </a:path>
-          </a:pathLst>
-        </a:custGeom>
-        <a:noFill/>
-        <a:ln w="12700" cap="flat" cmpd="sng" algn="ctr">
-          <a:solidFill>
-            <a:schemeClr val="accent1">
-              <a:shade val="60000"/>
-              <a:hueOff val="0"/>
-              <a:satOff val="0"/>
-              <a:lumOff val="0"/>
-              <a:alphaOff val="0"/>
-            </a:schemeClr>
-          </a:solidFill>
-          <a:prstDash val="solid"/>
-          <a:miter lim="800000"/>
-        </a:ln>
-        <a:effectLst/>
-      </dsp:spPr>
-      <dsp:style>
-        <a:lnRef idx="2">
-          <a:scrgbClr r="0" g="0" b="0"/>
-        </a:lnRef>
-        <a:fillRef idx="0">
-          <a:scrgbClr r="0" g="0" b="0"/>
-        </a:fillRef>
-        <a:effectRef idx="0">
-          <a:scrgbClr r="0" g="0" b="0"/>
-        </a:effectRef>
-        <a:fontRef idx="minor"/>
-      </dsp:style>
-    </dsp:sp>
-    <dsp:sp modelId="{C07553E5-30A6-4FAB-9DA5-8A3281D08956}">
-      <dsp:nvSpPr>
-        <dsp:cNvPr id="0" name=""/>
-        <dsp:cNvSpPr/>
-      </dsp:nvSpPr>
-      <dsp:spPr>
-        <a:xfrm>
-          <a:off x="501844" y="3082808"/>
-          <a:ext cx="91440" cy="314731"/>
-        </a:xfrm>
-        <a:custGeom>
-          <a:avLst/>
-          <a:gdLst/>
-          <a:ahLst/>
-          <a:cxnLst/>
-          <a:rect l="0" t="0" r="0" b="0"/>
-          <a:pathLst>
-            <a:path>
-              <a:moveTo>
-                <a:pt x="45720" y="0"/>
-              </a:moveTo>
-              <a:lnTo>
-                <a:pt x="45720" y="314731"/>
-              </a:lnTo>
-            </a:path>
-          </a:pathLst>
-        </a:custGeom>
-        <a:noFill/>
-        <a:ln w="12700" cap="flat" cmpd="sng" algn="ctr">
-          <a:solidFill>
-            <a:schemeClr val="accent1">
-              <a:shade val="80000"/>
-              <a:hueOff val="0"/>
-              <a:satOff val="0"/>
-              <a:lumOff val="0"/>
-              <a:alphaOff val="0"/>
-            </a:schemeClr>
-          </a:solidFill>
-          <a:prstDash val="solid"/>
-          <a:miter lim="800000"/>
-        </a:ln>
-        <a:effectLst/>
-      </dsp:spPr>
-      <dsp:style>
-        <a:lnRef idx="2">
-          <a:scrgbClr r="0" g="0" b="0"/>
-        </a:lnRef>
-        <a:fillRef idx="0">
-          <a:scrgbClr r="0" g="0" b="0"/>
-        </a:fillRef>
-        <a:effectRef idx="0">
-          <a:scrgbClr r="0" g="0" b="0"/>
-        </a:effectRef>
-        <a:fontRef idx="minor"/>
-      </dsp:style>
-    </dsp:sp>
-    <dsp:sp modelId="{AC3D02E9-2755-45BF-9492-AF61A47E1498}">
-      <dsp:nvSpPr>
-        <dsp:cNvPr id="0" name=""/>
-        <dsp:cNvSpPr/>
-      </dsp:nvSpPr>
-      <dsp:spPr>
-        <a:xfrm>
-          <a:off x="547564" y="2080899"/>
-          <a:ext cx="5290607" cy="314731"/>
-        </a:xfrm>
-        <a:custGeom>
-          <a:avLst/>
-          <a:gdLst/>
-          <a:ahLst/>
-          <a:cxnLst/>
-          <a:rect l="0" t="0" r="0" b="0"/>
-          <a:pathLst>
-            <a:path>
-              <a:moveTo>
-                <a:pt x="5290607" y="0"/>
-              </a:moveTo>
-              <a:lnTo>
-                <a:pt x="5290607" y="214480"/>
-              </a:lnTo>
-              <a:lnTo>
-                <a:pt x="0" y="214480"/>
-              </a:lnTo>
-              <a:lnTo>
-                <a:pt x="0" y="314731"/>
-              </a:lnTo>
-            </a:path>
-          </a:pathLst>
-        </a:custGeom>
-        <a:noFill/>
-        <a:ln w="12700" cap="flat" cmpd="sng" algn="ctr">
-          <a:solidFill>
-            <a:schemeClr val="accent1">
-              <a:shade val="60000"/>
-              <a:hueOff val="0"/>
-              <a:satOff val="0"/>
-              <a:lumOff val="0"/>
-              <a:alphaOff val="0"/>
-            </a:schemeClr>
-          </a:solidFill>
-          <a:prstDash val="solid"/>
-          <a:miter lim="800000"/>
-        </a:ln>
-        <a:effectLst/>
-      </dsp:spPr>
-      <dsp:style>
-        <a:lnRef idx="2">
-          <a:scrgbClr r="0" g="0" b="0"/>
-        </a:lnRef>
-        <a:fillRef idx="0">
-          <a:scrgbClr r="0" g="0" b="0"/>
-        </a:fillRef>
-        <a:effectRef idx="0">
-          <a:scrgbClr r="0" g="0" b="0"/>
-        </a:effectRef>
-        <a:fontRef idx="minor"/>
-      </dsp:style>
-    </dsp:sp>
-    <dsp:sp modelId="{1454AAF4-C406-490D-9910-14D5AC99B4FE}">
-      <dsp:nvSpPr>
-        <dsp:cNvPr id="0" name=""/>
-        <dsp:cNvSpPr/>
-      </dsp:nvSpPr>
-      <dsp:spPr>
-        <a:xfrm>
-          <a:off x="5297087" y="1393721"/>
-          <a:ext cx="1082169" cy="687177"/>
-        </a:xfrm>
-        <a:prstGeom prst="roundRect">
-          <a:avLst>
-            <a:gd name="adj" fmla="val 10000"/>
-          </a:avLst>
-        </a:prstGeom>
-        <a:solidFill>
-          <a:schemeClr val="accent1">
-            <a:hueOff val="0"/>
-            <a:satOff val="0"/>
-            <a:lumOff val="0"/>
-            <a:alphaOff val="0"/>
-          </a:schemeClr>
-        </a:solidFill>
-        <a:ln w="12700" cap="flat" cmpd="sng" algn="ctr">
-          <a:solidFill>
-            <a:schemeClr val="lt1">
-              <a:hueOff val="0"/>
-              <a:satOff val="0"/>
-              <a:lumOff val="0"/>
-              <a:alphaOff val="0"/>
-            </a:schemeClr>
-          </a:solidFill>
-          <a:prstDash val="solid"/>
-          <a:miter lim="800000"/>
-        </a:ln>
-        <a:effectLst/>
-      </dsp:spPr>
-      <dsp:style>
-        <a:lnRef idx="2">
-          <a:scrgbClr r="0" g="0" b="0"/>
-        </a:lnRef>
-        <a:fillRef idx="1">
-          <a:scrgbClr r="0" g="0" b="0"/>
-        </a:fillRef>
-        <a:effectRef idx="0">
-          <a:scrgbClr r="0" g="0" b="0"/>
-        </a:effectRef>
-        <a:fontRef idx="minor">
-          <a:schemeClr val="lt1"/>
-        </a:fontRef>
-      </dsp:style>
-    </dsp:sp>
-    <dsp:sp modelId="{73900EF0-FC90-4754-8B0B-319086B4D622}">
-      <dsp:nvSpPr>
-        <dsp:cNvPr id="0" name=""/>
-        <dsp:cNvSpPr/>
-      </dsp:nvSpPr>
-      <dsp:spPr>
-        <a:xfrm>
-          <a:off x="5417328" y="1507950"/>
-          <a:ext cx="1082169" cy="687177"/>
-        </a:xfrm>
-        <a:prstGeom prst="roundRect">
-          <a:avLst>
-            <a:gd name="adj" fmla="val 10000"/>
-          </a:avLst>
-        </a:prstGeom>
-        <a:solidFill>
-          <a:schemeClr val="lt1">
-            <a:alpha val="90000"/>
-            <a:hueOff val="0"/>
-            <a:satOff val="0"/>
-            <a:lumOff val="0"/>
-            <a:alphaOff val="0"/>
-          </a:schemeClr>
-        </a:solidFill>
-        <a:ln w="12700" cap="flat" cmpd="sng" algn="ctr">
-          <a:solidFill>
-            <a:schemeClr val="accent1">
-              <a:hueOff val="0"/>
-              <a:satOff val="0"/>
-              <a:lumOff val="0"/>
-              <a:alphaOff val="0"/>
-            </a:schemeClr>
-          </a:solidFill>
-          <a:prstDash val="solid"/>
-          <a:miter lim="800000"/>
-        </a:ln>
-        <a:effectLst/>
-      </dsp:spPr>
-      <dsp:style>
-        <a:lnRef idx="2">
-          <a:scrgbClr r="0" g="0" b="0"/>
-        </a:lnRef>
-        <a:fillRef idx="1">
-          <a:scrgbClr r="0" g="0" b="0"/>
-        </a:fillRef>
-        <a:effectRef idx="0">
-          <a:scrgbClr r="0" g="0" b="0"/>
-        </a:effectRef>
-        <a:fontRef idx="minor"/>
-      </dsp:style>
-      <dsp:txBody>
-        <a:bodyPr spcFirstLastPara="0" vert="horz" wrap="square" lIns="41910" tIns="41910" rIns="41910" bIns="41910" numCol="1" spcCol="1270" anchor="ctr" anchorCtr="0">
-          <a:noAutofit/>
-        </a:bodyPr>
-        <a:lstStyle/>
-        <a:p>
-          <a:pPr lvl="0" algn="ctr" defTabSz="488950">
-            <a:lnSpc>
-              <a:spcPct val="90000"/>
-            </a:lnSpc>
-            <a:spcBef>
-              <a:spcPct val="0"/>
-            </a:spcBef>
-            <a:spcAft>
-              <a:spcPct val="35000"/>
-            </a:spcAft>
-          </a:pPr>
-          <a:r>
-            <a:rPr lang="en-US" sz="1100" kern="1200" dirty="0" smtClean="0"/>
-            <a:t>DMAIC</a:t>
-          </a:r>
-          <a:endParaRPr lang="en-US" sz="1100" kern="1200" dirty="0"/>
-        </a:p>
-      </dsp:txBody>
-      <dsp:txXfrm>
-        <a:off x="5437455" y="1528077"/>
-        <a:ext cx="1041915" cy="646923"/>
-      </dsp:txXfrm>
-    </dsp:sp>
-    <dsp:sp modelId="{CCA8F269-2D9B-4D66-A4D6-076A65890DA9}">
-      <dsp:nvSpPr>
-        <dsp:cNvPr id="0" name=""/>
-        <dsp:cNvSpPr/>
-      </dsp:nvSpPr>
-      <dsp:spPr>
-        <a:xfrm>
-          <a:off x="6480" y="2395630"/>
-          <a:ext cx="1082169" cy="687177"/>
-        </a:xfrm>
-        <a:prstGeom prst="roundRect">
-          <a:avLst>
-            <a:gd name="adj" fmla="val 10000"/>
-          </a:avLst>
-        </a:prstGeom>
-        <a:solidFill>
-          <a:schemeClr val="accent1">
-            <a:hueOff val="0"/>
-            <a:satOff val="0"/>
-            <a:lumOff val="0"/>
-            <a:alphaOff val="0"/>
-          </a:schemeClr>
-        </a:solidFill>
-        <a:ln w="12700" cap="flat" cmpd="sng" algn="ctr">
-          <a:solidFill>
-            <a:schemeClr val="lt1">
-              <a:hueOff val="0"/>
-              <a:satOff val="0"/>
-              <a:lumOff val="0"/>
-              <a:alphaOff val="0"/>
-            </a:schemeClr>
-          </a:solidFill>
-          <a:prstDash val="solid"/>
-          <a:miter lim="800000"/>
-        </a:ln>
-        <a:effectLst/>
-      </dsp:spPr>
-      <dsp:style>
-        <a:lnRef idx="2">
-          <a:scrgbClr r="0" g="0" b="0"/>
-        </a:lnRef>
-        <a:fillRef idx="1">
-          <a:scrgbClr r="0" g="0" b="0"/>
-        </a:fillRef>
-        <a:effectRef idx="0">
-          <a:scrgbClr r="0" g="0" b="0"/>
-        </a:effectRef>
-        <a:fontRef idx="minor">
-          <a:schemeClr val="lt1"/>
-        </a:fontRef>
-      </dsp:style>
-    </dsp:sp>
-    <dsp:sp modelId="{97D7D0D7-BD41-4AC8-A65D-CE623D34EC7D}">
-      <dsp:nvSpPr>
-        <dsp:cNvPr id="0" name=""/>
-        <dsp:cNvSpPr/>
-      </dsp:nvSpPr>
-      <dsp:spPr>
-        <a:xfrm>
-          <a:off x="126721" y="2509859"/>
-          <a:ext cx="1082169" cy="687177"/>
-        </a:xfrm>
-        <a:prstGeom prst="roundRect">
-          <a:avLst>
-            <a:gd name="adj" fmla="val 10000"/>
-          </a:avLst>
-        </a:prstGeom>
-        <a:solidFill>
-          <a:schemeClr val="lt1">
-            <a:alpha val="90000"/>
-            <a:hueOff val="0"/>
-            <a:satOff val="0"/>
-            <a:lumOff val="0"/>
-            <a:alphaOff val="0"/>
-          </a:schemeClr>
-        </a:solidFill>
-        <a:ln w="12700" cap="flat" cmpd="sng" algn="ctr">
-          <a:solidFill>
-            <a:schemeClr val="accent1">
-              <a:hueOff val="0"/>
-              <a:satOff val="0"/>
-              <a:lumOff val="0"/>
-              <a:alphaOff val="0"/>
-            </a:schemeClr>
-          </a:solidFill>
-          <a:prstDash val="solid"/>
-          <a:miter lim="800000"/>
-        </a:ln>
-        <a:effectLst/>
-      </dsp:spPr>
-      <dsp:style>
-        <a:lnRef idx="2">
-          <a:scrgbClr r="0" g="0" b="0"/>
-        </a:lnRef>
-        <a:fillRef idx="1">
-          <a:scrgbClr r="0" g="0" b="0"/>
-        </a:fillRef>
-        <a:effectRef idx="0">
-          <a:scrgbClr r="0" g="0" b="0"/>
-        </a:effectRef>
-        <a:fontRef idx="minor"/>
-      </dsp:style>
-      <dsp:txBody>
-        <a:bodyPr spcFirstLastPara="0" vert="horz" wrap="square" lIns="41910" tIns="41910" rIns="41910" bIns="41910" numCol="1" spcCol="1270" anchor="ctr" anchorCtr="0">
-          <a:noAutofit/>
-        </a:bodyPr>
-        <a:lstStyle/>
-        <a:p>
-          <a:pPr lvl="0" algn="ctr" defTabSz="488950">
-            <a:lnSpc>
-              <a:spcPct val="90000"/>
-            </a:lnSpc>
-            <a:spcBef>
-              <a:spcPct val="0"/>
-            </a:spcBef>
-            <a:spcAft>
-              <a:spcPct val="35000"/>
-            </a:spcAft>
-          </a:pPr>
-          <a:r>
-            <a:rPr lang="en-US" sz="1100" kern="1200" dirty="0" smtClean="0"/>
-            <a:t>Define</a:t>
-          </a:r>
-          <a:endParaRPr lang="en-US" sz="1100" kern="1200" dirty="0"/>
-        </a:p>
-      </dsp:txBody>
-      <dsp:txXfrm>
-        <a:off x="146848" y="2529986"/>
-        <a:ext cx="1041915" cy="646923"/>
-      </dsp:txXfrm>
-    </dsp:sp>
-    <dsp:sp modelId="{78224F67-C839-4F75-8D0E-ED04778AB375}">
-      <dsp:nvSpPr>
-        <dsp:cNvPr id="0" name=""/>
-        <dsp:cNvSpPr/>
-      </dsp:nvSpPr>
-      <dsp:spPr>
-        <a:xfrm>
-          <a:off x="6480" y="3397539"/>
-          <a:ext cx="1082169" cy="687177"/>
-        </a:xfrm>
-        <a:prstGeom prst="roundRect">
-          <a:avLst>
-            <a:gd name="adj" fmla="val 10000"/>
-          </a:avLst>
-        </a:prstGeom>
-        <a:solidFill>
-          <a:schemeClr val="accent1">
-            <a:hueOff val="0"/>
-            <a:satOff val="0"/>
-            <a:lumOff val="0"/>
-            <a:alphaOff val="0"/>
-          </a:schemeClr>
-        </a:solidFill>
-        <a:ln w="12700" cap="flat" cmpd="sng" algn="ctr">
-          <a:solidFill>
-            <a:schemeClr val="lt1">
-              <a:hueOff val="0"/>
-              <a:satOff val="0"/>
-              <a:lumOff val="0"/>
-              <a:alphaOff val="0"/>
-            </a:schemeClr>
-          </a:solidFill>
-          <a:prstDash val="solid"/>
-          <a:miter lim="800000"/>
-        </a:ln>
-        <a:effectLst/>
-      </dsp:spPr>
-      <dsp:style>
-        <a:lnRef idx="2">
-          <a:scrgbClr r="0" g="0" b="0"/>
-        </a:lnRef>
-        <a:fillRef idx="1">
-          <a:scrgbClr r="0" g="0" b="0"/>
-        </a:fillRef>
-        <a:effectRef idx="0">
-          <a:scrgbClr r="0" g="0" b="0"/>
-        </a:effectRef>
-        <a:fontRef idx="minor">
-          <a:schemeClr val="lt1"/>
-        </a:fontRef>
-      </dsp:style>
-    </dsp:sp>
-    <dsp:sp modelId="{D527DD43-BF0E-4B16-9D4A-CDF43083651D}">
-      <dsp:nvSpPr>
-        <dsp:cNvPr id="0" name=""/>
-        <dsp:cNvSpPr/>
-      </dsp:nvSpPr>
-      <dsp:spPr>
-        <a:xfrm>
-          <a:off x="126721" y="3511768"/>
-          <a:ext cx="1082169" cy="687177"/>
-        </a:xfrm>
-        <a:prstGeom prst="roundRect">
-          <a:avLst>
-            <a:gd name="adj" fmla="val 10000"/>
-          </a:avLst>
-        </a:prstGeom>
-        <a:solidFill>
-          <a:schemeClr val="lt1">
-            <a:alpha val="90000"/>
-            <a:hueOff val="0"/>
-            <a:satOff val="0"/>
-            <a:lumOff val="0"/>
-            <a:alphaOff val="0"/>
-          </a:schemeClr>
-        </a:solidFill>
-        <a:ln w="12700" cap="flat" cmpd="sng" algn="ctr">
-          <a:solidFill>
-            <a:schemeClr val="accent1">
-              <a:hueOff val="0"/>
-              <a:satOff val="0"/>
-              <a:lumOff val="0"/>
-              <a:alphaOff val="0"/>
-            </a:schemeClr>
-          </a:solidFill>
-          <a:prstDash val="solid"/>
-          <a:miter lim="800000"/>
-        </a:ln>
-        <a:effectLst/>
-      </dsp:spPr>
-      <dsp:style>
-        <a:lnRef idx="2">
-          <a:scrgbClr r="0" g="0" b="0"/>
-        </a:lnRef>
-        <a:fillRef idx="1">
-          <a:scrgbClr r="0" g="0" b="0"/>
-        </a:fillRef>
-        <a:effectRef idx="0">
-          <a:scrgbClr r="0" g="0" b="0"/>
-        </a:effectRef>
-        <a:fontRef idx="minor"/>
-      </dsp:style>
-      <dsp:txBody>
-        <a:bodyPr spcFirstLastPara="0" vert="horz" wrap="square" lIns="41910" tIns="41910" rIns="41910" bIns="41910" numCol="1" spcCol="1270" anchor="ctr" anchorCtr="0">
-          <a:noAutofit/>
-        </a:bodyPr>
-        <a:lstStyle/>
-        <a:p>
-          <a:pPr lvl="0" algn="ctr" defTabSz="488950">
-            <a:lnSpc>
-              <a:spcPct val="90000"/>
-            </a:lnSpc>
-            <a:spcBef>
-              <a:spcPct val="0"/>
-            </a:spcBef>
-            <a:spcAft>
-              <a:spcPct val="35000"/>
-            </a:spcAft>
-          </a:pPr>
-          <a:r>
-            <a:rPr lang="en-US" sz="1100" kern="1200" dirty="0" smtClean="0"/>
-            <a:t>Acceptance criteria</a:t>
-          </a:r>
-          <a:endParaRPr lang="en-US" sz="1100" kern="1200" dirty="0"/>
-        </a:p>
-      </dsp:txBody>
-      <dsp:txXfrm>
-        <a:off x="146848" y="3531895"/>
-        <a:ext cx="1041915" cy="646923"/>
-      </dsp:txXfrm>
-    </dsp:sp>
-    <dsp:sp modelId="{BFA51391-D988-4A14-87FB-B851A5295B06}">
-      <dsp:nvSpPr>
-        <dsp:cNvPr id="0" name=""/>
-        <dsp:cNvSpPr/>
-      </dsp:nvSpPr>
-      <dsp:spPr>
-        <a:xfrm>
-          <a:off x="3313109" y="2395630"/>
-          <a:ext cx="1082169" cy="687177"/>
-        </a:xfrm>
-        <a:prstGeom prst="roundRect">
-          <a:avLst>
-            <a:gd name="adj" fmla="val 10000"/>
-          </a:avLst>
-        </a:prstGeom>
-        <a:solidFill>
-          <a:schemeClr val="accent1">
-            <a:hueOff val="0"/>
-            <a:satOff val="0"/>
-            <a:lumOff val="0"/>
-            <a:alphaOff val="0"/>
-          </a:schemeClr>
-        </a:solidFill>
-        <a:ln w="12700" cap="flat" cmpd="sng" algn="ctr">
-          <a:solidFill>
-            <a:schemeClr val="lt1">
-              <a:hueOff val="0"/>
-              <a:satOff val="0"/>
-              <a:lumOff val="0"/>
-              <a:alphaOff val="0"/>
-            </a:schemeClr>
-          </a:solidFill>
-          <a:prstDash val="solid"/>
-          <a:miter lim="800000"/>
-        </a:ln>
-        <a:effectLst/>
-      </dsp:spPr>
-      <dsp:style>
-        <a:lnRef idx="2">
-          <a:scrgbClr r="0" g="0" b="0"/>
-        </a:lnRef>
-        <a:fillRef idx="1">
-          <a:scrgbClr r="0" g="0" b="0"/>
-        </a:fillRef>
-        <a:effectRef idx="0">
-          <a:scrgbClr r="0" g="0" b="0"/>
-        </a:effectRef>
-        <a:fontRef idx="minor">
-          <a:schemeClr val="lt1"/>
-        </a:fontRef>
-      </dsp:style>
-    </dsp:sp>
-    <dsp:sp modelId="{0A8AF230-97B4-4BAD-A31C-C2E3F2DE7F42}">
-      <dsp:nvSpPr>
-        <dsp:cNvPr id="0" name=""/>
-        <dsp:cNvSpPr/>
-      </dsp:nvSpPr>
-      <dsp:spPr>
-        <a:xfrm>
-          <a:off x="3433350" y="2509859"/>
-          <a:ext cx="1082169" cy="687177"/>
-        </a:xfrm>
-        <a:prstGeom prst="roundRect">
-          <a:avLst>
-            <a:gd name="adj" fmla="val 10000"/>
-          </a:avLst>
-        </a:prstGeom>
-        <a:solidFill>
-          <a:schemeClr val="lt1">
-            <a:alpha val="90000"/>
-            <a:hueOff val="0"/>
-            <a:satOff val="0"/>
-            <a:lumOff val="0"/>
-            <a:alphaOff val="0"/>
-          </a:schemeClr>
-        </a:solidFill>
-        <a:ln w="12700" cap="flat" cmpd="sng" algn="ctr">
-          <a:solidFill>
-            <a:schemeClr val="accent1">
-              <a:hueOff val="0"/>
-              <a:satOff val="0"/>
-              <a:lumOff val="0"/>
-              <a:alphaOff val="0"/>
-            </a:schemeClr>
-          </a:solidFill>
-          <a:prstDash val="solid"/>
-          <a:miter lim="800000"/>
-        </a:ln>
-        <a:effectLst/>
-      </dsp:spPr>
-      <dsp:style>
-        <a:lnRef idx="2">
-          <a:scrgbClr r="0" g="0" b="0"/>
-        </a:lnRef>
-        <a:fillRef idx="1">
-          <a:scrgbClr r="0" g="0" b="0"/>
-        </a:fillRef>
-        <a:effectRef idx="0">
-          <a:scrgbClr r="0" g="0" b="0"/>
-        </a:effectRef>
-        <a:fontRef idx="minor"/>
-      </dsp:style>
-      <dsp:txBody>
-        <a:bodyPr spcFirstLastPara="0" vert="horz" wrap="square" lIns="41910" tIns="41910" rIns="41910" bIns="41910" numCol="1" spcCol="1270" anchor="ctr" anchorCtr="0">
-          <a:noAutofit/>
-        </a:bodyPr>
-        <a:lstStyle/>
-        <a:p>
-          <a:pPr lvl="0" algn="ctr" defTabSz="488950">
-            <a:lnSpc>
-              <a:spcPct val="90000"/>
-            </a:lnSpc>
-            <a:spcBef>
-              <a:spcPct val="0"/>
-            </a:spcBef>
-            <a:spcAft>
-              <a:spcPct val="35000"/>
-            </a:spcAft>
-          </a:pPr>
-          <a:r>
-            <a:rPr lang="en-US" sz="1100" kern="1200" dirty="0" smtClean="0"/>
-            <a:t>Measure</a:t>
-          </a:r>
-          <a:endParaRPr lang="en-US" sz="1100" kern="1200" dirty="0"/>
-        </a:p>
-      </dsp:txBody>
-      <dsp:txXfrm>
-        <a:off x="3453477" y="2529986"/>
-        <a:ext cx="1041915" cy="646923"/>
-      </dsp:txXfrm>
-    </dsp:sp>
-    <dsp:sp modelId="{04B50446-57A0-446B-9B48-8F245960042E}">
-      <dsp:nvSpPr>
-        <dsp:cNvPr id="0" name=""/>
-        <dsp:cNvSpPr/>
-      </dsp:nvSpPr>
-      <dsp:spPr>
-        <a:xfrm>
-          <a:off x="1329131" y="3397539"/>
-          <a:ext cx="1082169" cy="687177"/>
-        </a:xfrm>
-        <a:prstGeom prst="roundRect">
-          <a:avLst>
-            <a:gd name="adj" fmla="val 10000"/>
-          </a:avLst>
-        </a:prstGeom>
-        <a:solidFill>
-          <a:schemeClr val="accent1">
-            <a:hueOff val="0"/>
-            <a:satOff val="0"/>
-            <a:lumOff val="0"/>
-            <a:alphaOff val="0"/>
-          </a:schemeClr>
-        </a:solidFill>
-        <a:ln w="12700" cap="flat" cmpd="sng" algn="ctr">
-          <a:solidFill>
-            <a:schemeClr val="lt1">
-              <a:hueOff val="0"/>
-              <a:satOff val="0"/>
-              <a:lumOff val="0"/>
-              <a:alphaOff val="0"/>
-            </a:schemeClr>
-          </a:solidFill>
-          <a:prstDash val="solid"/>
-          <a:miter lim="800000"/>
-        </a:ln>
-        <a:effectLst/>
-      </dsp:spPr>
-      <dsp:style>
-        <a:lnRef idx="2">
-          <a:scrgbClr r="0" g="0" b="0"/>
-        </a:lnRef>
-        <a:fillRef idx="1">
-          <a:scrgbClr r="0" g="0" b="0"/>
-        </a:fillRef>
-        <a:effectRef idx="0">
-          <a:scrgbClr r="0" g="0" b="0"/>
-        </a:effectRef>
-        <a:fontRef idx="minor">
-          <a:schemeClr val="lt1"/>
-        </a:fontRef>
-      </dsp:style>
-    </dsp:sp>
-    <dsp:sp modelId="{9369DC0C-655F-45E6-BEB8-13C347BED7B6}">
-      <dsp:nvSpPr>
-        <dsp:cNvPr id="0" name=""/>
-        <dsp:cNvSpPr/>
-      </dsp:nvSpPr>
-      <dsp:spPr>
-        <a:xfrm>
-          <a:off x="1449373" y="3511768"/>
-          <a:ext cx="1082169" cy="687177"/>
-        </a:xfrm>
-        <a:prstGeom prst="roundRect">
-          <a:avLst>
-            <a:gd name="adj" fmla="val 10000"/>
-          </a:avLst>
-        </a:prstGeom>
-        <a:solidFill>
-          <a:schemeClr val="lt1">
-            <a:alpha val="90000"/>
-            <a:hueOff val="0"/>
-            <a:satOff val="0"/>
-            <a:lumOff val="0"/>
-            <a:alphaOff val="0"/>
-          </a:schemeClr>
-        </a:solidFill>
-        <a:ln w="12700" cap="flat" cmpd="sng" algn="ctr">
-          <a:solidFill>
-            <a:schemeClr val="accent1">
-              <a:hueOff val="0"/>
-              <a:satOff val="0"/>
-              <a:lumOff val="0"/>
-              <a:alphaOff val="0"/>
-            </a:schemeClr>
-          </a:solidFill>
-          <a:prstDash val="solid"/>
-          <a:miter lim="800000"/>
-        </a:ln>
-        <a:effectLst/>
-      </dsp:spPr>
-      <dsp:style>
-        <a:lnRef idx="2">
-          <a:scrgbClr r="0" g="0" b="0"/>
-        </a:lnRef>
-        <a:fillRef idx="1">
-          <a:scrgbClr r="0" g="0" b="0"/>
-        </a:fillRef>
-        <a:effectRef idx="0">
-          <a:scrgbClr r="0" g="0" b="0"/>
-        </a:effectRef>
-        <a:fontRef idx="minor"/>
-      </dsp:style>
-      <dsp:txBody>
-        <a:bodyPr spcFirstLastPara="0" vert="horz" wrap="square" lIns="41910" tIns="41910" rIns="41910" bIns="41910" numCol="1" spcCol="1270" anchor="ctr" anchorCtr="0">
-          <a:noAutofit/>
-        </a:bodyPr>
-        <a:lstStyle/>
-        <a:p>
-          <a:pPr lvl="0" algn="ctr" defTabSz="488950">
-            <a:lnSpc>
-              <a:spcPct val="90000"/>
-            </a:lnSpc>
-            <a:spcBef>
-              <a:spcPct val="0"/>
-            </a:spcBef>
-            <a:spcAft>
-              <a:spcPct val="35000"/>
-            </a:spcAft>
-          </a:pPr>
-          <a:r>
-            <a:rPr lang="en-US" sz="1100" kern="1200" dirty="0" smtClean="0"/>
-            <a:t>Iterations to be approved</a:t>
-          </a:r>
-          <a:endParaRPr lang="en-US" sz="1100" kern="1200" dirty="0"/>
-        </a:p>
-      </dsp:txBody>
-      <dsp:txXfrm>
-        <a:off x="1469500" y="3531895"/>
-        <a:ext cx="1041915" cy="646923"/>
-      </dsp:txXfrm>
-    </dsp:sp>
-    <dsp:sp modelId="{8B294107-CF33-48AD-A0A9-94ED66210B01}">
-      <dsp:nvSpPr>
-        <dsp:cNvPr id="0" name=""/>
-        <dsp:cNvSpPr/>
-      </dsp:nvSpPr>
-      <dsp:spPr>
-        <a:xfrm>
-          <a:off x="2651783" y="3397539"/>
-          <a:ext cx="1082169" cy="687177"/>
-        </a:xfrm>
-        <a:prstGeom prst="roundRect">
-          <a:avLst>
-            <a:gd name="adj" fmla="val 10000"/>
-          </a:avLst>
-        </a:prstGeom>
-        <a:solidFill>
-          <a:schemeClr val="accent1">
-            <a:hueOff val="0"/>
-            <a:satOff val="0"/>
-            <a:lumOff val="0"/>
-            <a:alphaOff val="0"/>
-          </a:schemeClr>
-        </a:solidFill>
-        <a:ln w="12700" cap="flat" cmpd="sng" algn="ctr">
-          <a:solidFill>
-            <a:schemeClr val="lt1">
-              <a:hueOff val="0"/>
-              <a:satOff val="0"/>
-              <a:lumOff val="0"/>
-              <a:alphaOff val="0"/>
-            </a:schemeClr>
-          </a:solidFill>
-          <a:prstDash val="solid"/>
-          <a:miter lim="800000"/>
-        </a:ln>
-        <a:effectLst/>
-      </dsp:spPr>
-      <dsp:style>
-        <a:lnRef idx="2">
-          <a:scrgbClr r="0" g="0" b="0"/>
-        </a:lnRef>
-        <a:fillRef idx="1">
-          <a:scrgbClr r="0" g="0" b="0"/>
-        </a:fillRef>
-        <a:effectRef idx="0">
-          <a:scrgbClr r="0" g="0" b="0"/>
-        </a:effectRef>
-        <a:fontRef idx="minor">
-          <a:schemeClr val="lt1"/>
-        </a:fontRef>
-      </dsp:style>
-    </dsp:sp>
-    <dsp:sp modelId="{BCD653C3-D455-4AC6-8B09-1DC22BE3E6AD}">
-      <dsp:nvSpPr>
-        <dsp:cNvPr id="0" name=""/>
-        <dsp:cNvSpPr/>
-      </dsp:nvSpPr>
-      <dsp:spPr>
-        <a:xfrm>
-          <a:off x="2772024" y="3511768"/>
-          <a:ext cx="1082169" cy="687177"/>
-        </a:xfrm>
-        <a:prstGeom prst="roundRect">
-          <a:avLst>
-            <a:gd name="adj" fmla="val 10000"/>
-          </a:avLst>
-        </a:prstGeom>
-        <a:solidFill>
-          <a:schemeClr val="lt1">
-            <a:alpha val="90000"/>
-            <a:hueOff val="0"/>
-            <a:satOff val="0"/>
-            <a:lumOff val="0"/>
-            <a:alphaOff val="0"/>
-          </a:schemeClr>
-        </a:solidFill>
-        <a:ln w="12700" cap="flat" cmpd="sng" algn="ctr">
-          <a:solidFill>
-            <a:schemeClr val="accent1">
-              <a:hueOff val="0"/>
-              <a:satOff val="0"/>
-              <a:lumOff val="0"/>
-              <a:alphaOff val="0"/>
-            </a:schemeClr>
-          </a:solidFill>
-          <a:prstDash val="solid"/>
-          <a:miter lim="800000"/>
-        </a:ln>
-        <a:effectLst/>
-      </dsp:spPr>
-      <dsp:style>
-        <a:lnRef idx="2">
-          <a:scrgbClr r="0" g="0" b="0"/>
-        </a:lnRef>
-        <a:fillRef idx="1">
-          <a:scrgbClr r="0" g="0" b="0"/>
-        </a:fillRef>
-        <a:effectRef idx="0">
-          <a:scrgbClr r="0" g="0" b="0"/>
-        </a:effectRef>
-        <a:fontRef idx="minor"/>
-      </dsp:style>
-      <dsp:txBody>
-        <a:bodyPr spcFirstLastPara="0" vert="horz" wrap="square" lIns="41910" tIns="41910" rIns="41910" bIns="41910" numCol="1" spcCol="1270" anchor="ctr" anchorCtr="0">
-          <a:noAutofit/>
-        </a:bodyPr>
-        <a:lstStyle/>
-        <a:p>
-          <a:pPr lvl="0" algn="ctr" defTabSz="488950">
-            <a:lnSpc>
-              <a:spcPct val="90000"/>
-            </a:lnSpc>
-            <a:spcBef>
-              <a:spcPct val="0"/>
-            </a:spcBef>
-            <a:spcAft>
-              <a:spcPct val="35000"/>
-            </a:spcAft>
-          </a:pPr>
-          <a:r>
-            <a:rPr lang="en-US" sz="1100" kern="1200" dirty="0" smtClean="0"/>
-            <a:t>Stakeholders satisfaction</a:t>
-          </a:r>
-          <a:endParaRPr lang="en-US" sz="1100" kern="1200" dirty="0"/>
-        </a:p>
-      </dsp:txBody>
-      <dsp:txXfrm>
-        <a:off x="2792151" y="3531895"/>
-        <a:ext cx="1041915" cy="646923"/>
-      </dsp:txXfrm>
-    </dsp:sp>
-    <dsp:sp modelId="{AD9EA4F9-6368-41C7-AC8B-8042C9F040F1}">
-      <dsp:nvSpPr>
-        <dsp:cNvPr id="0" name=""/>
-        <dsp:cNvSpPr/>
-      </dsp:nvSpPr>
-      <dsp:spPr>
-        <a:xfrm>
-          <a:off x="3974435" y="3397539"/>
-          <a:ext cx="1082169" cy="687177"/>
-        </a:xfrm>
-        <a:prstGeom prst="roundRect">
-          <a:avLst>
-            <a:gd name="adj" fmla="val 10000"/>
-          </a:avLst>
-        </a:prstGeom>
-        <a:solidFill>
-          <a:schemeClr val="accent1">
-            <a:hueOff val="0"/>
-            <a:satOff val="0"/>
-            <a:lumOff val="0"/>
-            <a:alphaOff val="0"/>
-          </a:schemeClr>
-        </a:solidFill>
-        <a:ln w="12700" cap="flat" cmpd="sng" algn="ctr">
-          <a:solidFill>
-            <a:schemeClr val="lt1">
-              <a:hueOff val="0"/>
-              <a:satOff val="0"/>
-              <a:lumOff val="0"/>
-              <a:alphaOff val="0"/>
-            </a:schemeClr>
-          </a:solidFill>
-          <a:prstDash val="solid"/>
-          <a:miter lim="800000"/>
-        </a:ln>
-        <a:effectLst/>
-      </dsp:spPr>
-      <dsp:style>
-        <a:lnRef idx="2">
-          <a:scrgbClr r="0" g="0" b="0"/>
-        </a:lnRef>
-        <a:fillRef idx="1">
-          <a:scrgbClr r="0" g="0" b="0"/>
-        </a:fillRef>
-        <a:effectRef idx="0">
-          <a:scrgbClr r="0" g="0" b="0"/>
-        </a:effectRef>
-        <a:fontRef idx="minor">
-          <a:schemeClr val="lt1"/>
-        </a:fontRef>
-      </dsp:style>
-    </dsp:sp>
-    <dsp:sp modelId="{450B797E-5AED-4173-9EB3-90CEFA6A7283}">
-      <dsp:nvSpPr>
-        <dsp:cNvPr id="0" name=""/>
-        <dsp:cNvSpPr/>
-      </dsp:nvSpPr>
-      <dsp:spPr>
-        <a:xfrm>
-          <a:off x="4094676" y="3511768"/>
-          <a:ext cx="1082169" cy="687177"/>
-        </a:xfrm>
-        <a:prstGeom prst="roundRect">
-          <a:avLst>
-            <a:gd name="adj" fmla="val 10000"/>
-          </a:avLst>
-        </a:prstGeom>
-        <a:solidFill>
-          <a:schemeClr val="lt1">
-            <a:alpha val="90000"/>
-            <a:hueOff val="0"/>
-            <a:satOff val="0"/>
-            <a:lumOff val="0"/>
-            <a:alphaOff val="0"/>
-          </a:schemeClr>
-        </a:solidFill>
-        <a:ln w="12700" cap="flat" cmpd="sng" algn="ctr">
-          <a:solidFill>
-            <a:schemeClr val="accent1">
-              <a:hueOff val="0"/>
-              <a:satOff val="0"/>
-              <a:lumOff val="0"/>
-              <a:alphaOff val="0"/>
-            </a:schemeClr>
-          </a:solidFill>
-          <a:prstDash val="solid"/>
-          <a:miter lim="800000"/>
-        </a:ln>
-        <a:effectLst/>
-      </dsp:spPr>
-      <dsp:style>
-        <a:lnRef idx="2">
-          <a:scrgbClr r="0" g="0" b="0"/>
-        </a:lnRef>
-        <a:fillRef idx="1">
-          <a:scrgbClr r="0" g="0" b="0"/>
-        </a:fillRef>
-        <a:effectRef idx="0">
-          <a:scrgbClr r="0" g="0" b="0"/>
-        </a:effectRef>
-        <a:fontRef idx="minor"/>
-      </dsp:style>
-      <dsp:txBody>
-        <a:bodyPr spcFirstLastPara="0" vert="horz" wrap="square" lIns="41910" tIns="41910" rIns="41910" bIns="41910" numCol="1" spcCol="1270" anchor="ctr" anchorCtr="0">
-          <a:noAutofit/>
-        </a:bodyPr>
-        <a:lstStyle/>
-        <a:p>
-          <a:pPr lvl="0" algn="ctr" defTabSz="488950">
-            <a:lnSpc>
-              <a:spcPct val="90000"/>
-            </a:lnSpc>
-            <a:spcBef>
-              <a:spcPct val="0"/>
-            </a:spcBef>
-            <a:spcAft>
-              <a:spcPct val="35000"/>
-            </a:spcAft>
-          </a:pPr>
-          <a:r>
-            <a:rPr lang="en-US" sz="1100" kern="1200" dirty="0" smtClean="0"/>
-            <a:t>Time to be approved</a:t>
-          </a:r>
-          <a:endParaRPr lang="en-US" sz="1100" kern="1200" dirty="0"/>
-        </a:p>
-      </dsp:txBody>
-      <dsp:txXfrm>
-        <a:off x="4114803" y="3531895"/>
-        <a:ext cx="1041915" cy="646923"/>
-      </dsp:txXfrm>
-    </dsp:sp>
-    <dsp:sp modelId="{A37AA70A-6BCE-4A53-AB34-0D6150D0EE4A}">
-      <dsp:nvSpPr>
-        <dsp:cNvPr id="0" name=""/>
-        <dsp:cNvSpPr/>
-      </dsp:nvSpPr>
-      <dsp:spPr>
-        <a:xfrm>
-          <a:off x="5297087" y="3397539"/>
-          <a:ext cx="1082169" cy="687177"/>
-        </a:xfrm>
-        <a:prstGeom prst="roundRect">
-          <a:avLst>
-            <a:gd name="adj" fmla="val 10000"/>
-          </a:avLst>
-        </a:prstGeom>
-        <a:solidFill>
-          <a:schemeClr val="accent1">
-            <a:hueOff val="0"/>
-            <a:satOff val="0"/>
-            <a:lumOff val="0"/>
-            <a:alphaOff val="0"/>
-          </a:schemeClr>
-        </a:solidFill>
-        <a:ln w="12700" cap="flat" cmpd="sng" algn="ctr">
-          <a:solidFill>
-            <a:schemeClr val="lt1">
-              <a:hueOff val="0"/>
-              <a:satOff val="0"/>
-              <a:lumOff val="0"/>
-              <a:alphaOff val="0"/>
-            </a:schemeClr>
-          </a:solidFill>
-          <a:prstDash val="solid"/>
-          <a:miter lim="800000"/>
-        </a:ln>
-        <a:effectLst/>
-      </dsp:spPr>
-      <dsp:style>
-        <a:lnRef idx="2">
-          <a:scrgbClr r="0" g="0" b="0"/>
-        </a:lnRef>
-        <a:fillRef idx="1">
-          <a:scrgbClr r="0" g="0" b="0"/>
-        </a:fillRef>
-        <a:effectRef idx="0">
-          <a:scrgbClr r="0" g="0" b="0"/>
-        </a:effectRef>
-        <a:fontRef idx="minor">
-          <a:schemeClr val="lt1"/>
-        </a:fontRef>
-      </dsp:style>
-    </dsp:sp>
-    <dsp:sp modelId="{C6A1D0CB-D4B2-4CD4-800B-0625E27530A7}">
-      <dsp:nvSpPr>
-        <dsp:cNvPr id="0" name=""/>
-        <dsp:cNvSpPr/>
-      </dsp:nvSpPr>
-      <dsp:spPr>
-        <a:xfrm>
-          <a:off x="5417328" y="3511768"/>
-          <a:ext cx="1082169" cy="687177"/>
-        </a:xfrm>
-        <a:prstGeom prst="roundRect">
-          <a:avLst>
-            <a:gd name="adj" fmla="val 10000"/>
-          </a:avLst>
-        </a:prstGeom>
-        <a:solidFill>
-          <a:schemeClr val="lt1">
-            <a:alpha val="90000"/>
-            <a:hueOff val="0"/>
-            <a:satOff val="0"/>
-            <a:lumOff val="0"/>
-            <a:alphaOff val="0"/>
-          </a:schemeClr>
-        </a:solidFill>
-        <a:ln w="12700" cap="flat" cmpd="sng" algn="ctr">
-          <a:solidFill>
-            <a:schemeClr val="accent1">
-              <a:hueOff val="0"/>
-              <a:satOff val="0"/>
-              <a:lumOff val="0"/>
-              <a:alphaOff val="0"/>
-            </a:schemeClr>
-          </a:solidFill>
-          <a:prstDash val="solid"/>
-          <a:miter lim="800000"/>
-        </a:ln>
-        <a:effectLst/>
-      </dsp:spPr>
-      <dsp:style>
-        <a:lnRef idx="2">
-          <a:scrgbClr r="0" g="0" b="0"/>
-        </a:lnRef>
-        <a:fillRef idx="1">
-          <a:scrgbClr r="0" g="0" b="0"/>
-        </a:fillRef>
-        <a:effectRef idx="0">
-          <a:scrgbClr r="0" g="0" b="0"/>
-        </a:effectRef>
-        <a:fontRef idx="minor"/>
-      </dsp:style>
-      <dsp:txBody>
-        <a:bodyPr spcFirstLastPara="0" vert="horz" wrap="square" lIns="41910" tIns="41910" rIns="41910" bIns="41910" numCol="1" spcCol="1270" anchor="ctr" anchorCtr="0">
-          <a:noAutofit/>
-        </a:bodyPr>
-        <a:lstStyle/>
-        <a:p>
-          <a:pPr lvl="0" algn="ctr" defTabSz="488950">
-            <a:lnSpc>
-              <a:spcPct val="90000"/>
-            </a:lnSpc>
-            <a:spcBef>
-              <a:spcPct val="0"/>
-            </a:spcBef>
-            <a:spcAft>
-              <a:spcPct val="35000"/>
-            </a:spcAft>
-          </a:pPr>
-          <a:r>
-            <a:rPr lang="en-US" sz="1100" kern="1200" dirty="0" smtClean="0"/>
-            <a:t>Number of defects</a:t>
-          </a:r>
-          <a:endParaRPr lang="en-US" sz="1100" kern="1200" dirty="0"/>
-        </a:p>
-      </dsp:txBody>
-      <dsp:txXfrm>
-        <a:off x="5437455" y="3531895"/>
-        <a:ext cx="1041915" cy="646923"/>
-      </dsp:txXfrm>
-    </dsp:sp>
-    <dsp:sp modelId="{B86A8826-EEF3-49F8-9A5A-8555CBC51719}">
-      <dsp:nvSpPr>
-        <dsp:cNvPr id="0" name=""/>
-        <dsp:cNvSpPr/>
-      </dsp:nvSpPr>
-      <dsp:spPr>
-        <a:xfrm>
-          <a:off x="7281065" y="2395630"/>
-          <a:ext cx="1082169" cy="687177"/>
-        </a:xfrm>
-        <a:prstGeom prst="roundRect">
-          <a:avLst>
-            <a:gd name="adj" fmla="val 10000"/>
-          </a:avLst>
-        </a:prstGeom>
-        <a:solidFill>
-          <a:schemeClr val="accent1">
-            <a:hueOff val="0"/>
-            <a:satOff val="0"/>
-            <a:lumOff val="0"/>
-            <a:alphaOff val="0"/>
-          </a:schemeClr>
-        </a:solidFill>
-        <a:ln w="12700" cap="flat" cmpd="sng" algn="ctr">
-          <a:solidFill>
-            <a:schemeClr val="lt1">
-              <a:hueOff val="0"/>
-              <a:satOff val="0"/>
-              <a:lumOff val="0"/>
-              <a:alphaOff val="0"/>
-            </a:schemeClr>
-          </a:solidFill>
-          <a:prstDash val="solid"/>
-          <a:miter lim="800000"/>
-        </a:ln>
-        <a:effectLst/>
-      </dsp:spPr>
-      <dsp:style>
-        <a:lnRef idx="2">
-          <a:scrgbClr r="0" g="0" b="0"/>
-        </a:lnRef>
-        <a:fillRef idx="1">
-          <a:scrgbClr r="0" g="0" b="0"/>
-        </a:fillRef>
-        <a:effectRef idx="0">
-          <a:scrgbClr r="0" g="0" b="0"/>
-        </a:effectRef>
-        <a:fontRef idx="minor">
-          <a:schemeClr val="lt1"/>
-        </a:fontRef>
-      </dsp:style>
-    </dsp:sp>
-    <dsp:sp modelId="{69C95FFB-C3BF-4ACF-957E-8292B341C7AD}">
-      <dsp:nvSpPr>
-        <dsp:cNvPr id="0" name=""/>
-        <dsp:cNvSpPr/>
-      </dsp:nvSpPr>
-      <dsp:spPr>
-        <a:xfrm>
-          <a:off x="7401306" y="2509859"/>
-          <a:ext cx="1082169" cy="687177"/>
-        </a:xfrm>
-        <a:prstGeom prst="roundRect">
-          <a:avLst>
-            <a:gd name="adj" fmla="val 10000"/>
-          </a:avLst>
-        </a:prstGeom>
-        <a:solidFill>
-          <a:schemeClr val="lt1">
-            <a:alpha val="90000"/>
-            <a:hueOff val="0"/>
-            <a:satOff val="0"/>
-            <a:lumOff val="0"/>
-            <a:alphaOff val="0"/>
-          </a:schemeClr>
-        </a:solidFill>
-        <a:ln w="12700" cap="flat" cmpd="sng" algn="ctr">
-          <a:solidFill>
-            <a:schemeClr val="accent1">
-              <a:hueOff val="0"/>
-              <a:satOff val="0"/>
-              <a:lumOff val="0"/>
-              <a:alphaOff val="0"/>
-            </a:schemeClr>
-          </a:solidFill>
-          <a:prstDash val="solid"/>
-          <a:miter lim="800000"/>
-        </a:ln>
-        <a:effectLst/>
-      </dsp:spPr>
-      <dsp:style>
-        <a:lnRef idx="2">
-          <a:scrgbClr r="0" g="0" b="0"/>
-        </a:lnRef>
-        <a:fillRef idx="1">
-          <a:scrgbClr r="0" g="0" b="0"/>
-        </a:fillRef>
-        <a:effectRef idx="0">
-          <a:scrgbClr r="0" g="0" b="0"/>
-        </a:effectRef>
-        <a:fontRef idx="minor"/>
-      </dsp:style>
-      <dsp:txBody>
-        <a:bodyPr spcFirstLastPara="0" vert="horz" wrap="square" lIns="41910" tIns="41910" rIns="41910" bIns="41910" numCol="1" spcCol="1270" anchor="ctr" anchorCtr="0">
-          <a:noAutofit/>
-        </a:bodyPr>
-        <a:lstStyle/>
-        <a:p>
-          <a:pPr lvl="0" algn="ctr" defTabSz="488950">
-            <a:lnSpc>
-              <a:spcPct val="90000"/>
-            </a:lnSpc>
-            <a:spcBef>
-              <a:spcPct val="0"/>
-            </a:spcBef>
-            <a:spcAft>
-              <a:spcPct val="35000"/>
-            </a:spcAft>
-          </a:pPr>
-          <a:r>
-            <a:rPr lang="en-US" sz="1100" kern="1200" dirty="0" smtClean="0"/>
-            <a:t>Analyze</a:t>
-          </a:r>
-          <a:endParaRPr lang="en-US" sz="1100" kern="1200" dirty="0"/>
-        </a:p>
-      </dsp:txBody>
-      <dsp:txXfrm>
-        <a:off x="7421433" y="2529986"/>
-        <a:ext cx="1041915" cy="646923"/>
-      </dsp:txXfrm>
-    </dsp:sp>
-    <dsp:sp modelId="{773863B1-9AA5-4D3E-8F52-D175000432BB}">
-      <dsp:nvSpPr>
-        <dsp:cNvPr id="0" name=""/>
-        <dsp:cNvSpPr/>
-      </dsp:nvSpPr>
-      <dsp:spPr>
-        <a:xfrm>
-          <a:off x="6619739" y="3397539"/>
-          <a:ext cx="1082169" cy="687177"/>
-        </a:xfrm>
-        <a:prstGeom prst="roundRect">
-          <a:avLst>
-            <a:gd name="adj" fmla="val 10000"/>
-          </a:avLst>
-        </a:prstGeom>
-        <a:solidFill>
-          <a:schemeClr val="accent1">
-            <a:hueOff val="0"/>
-            <a:satOff val="0"/>
-            <a:lumOff val="0"/>
-            <a:alphaOff val="0"/>
-          </a:schemeClr>
-        </a:solidFill>
-        <a:ln w="12700" cap="flat" cmpd="sng" algn="ctr">
-          <a:solidFill>
-            <a:schemeClr val="lt1">
-              <a:hueOff val="0"/>
-              <a:satOff val="0"/>
-              <a:lumOff val="0"/>
-              <a:alphaOff val="0"/>
-            </a:schemeClr>
-          </a:solidFill>
-          <a:prstDash val="solid"/>
-          <a:miter lim="800000"/>
-        </a:ln>
-        <a:effectLst/>
-      </dsp:spPr>
-      <dsp:style>
-        <a:lnRef idx="2">
-          <a:scrgbClr r="0" g="0" b="0"/>
-        </a:lnRef>
-        <a:fillRef idx="1">
-          <a:scrgbClr r="0" g="0" b="0"/>
-        </a:fillRef>
-        <a:effectRef idx="0">
-          <a:scrgbClr r="0" g="0" b="0"/>
-        </a:effectRef>
-        <a:fontRef idx="minor">
-          <a:schemeClr val="lt1"/>
-        </a:fontRef>
-      </dsp:style>
-    </dsp:sp>
-    <dsp:sp modelId="{132267E9-666F-4868-ABAC-9C63D84D761E}">
-      <dsp:nvSpPr>
-        <dsp:cNvPr id="0" name=""/>
-        <dsp:cNvSpPr/>
-      </dsp:nvSpPr>
-      <dsp:spPr>
-        <a:xfrm>
-          <a:off x="6739980" y="3511768"/>
-          <a:ext cx="1082169" cy="687177"/>
-        </a:xfrm>
-        <a:prstGeom prst="roundRect">
-          <a:avLst>
-            <a:gd name="adj" fmla="val 10000"/>
-          </a:avLst>
-        </a:prstGeom>
-        <a:solidFill>
-          <a:schemeClr val="lt1">
-            <a:alpha val="90000"/>
-            <a:hueOff val="0"/>
-            <a:satOff val="0"/>
-            <a:lumOff val="0"/>
-            <a:alphaOff val="0"/>
-          </a:schemeClr>
-        </a:solidFill>
-        <a:ln w="12700" cap="flat" cmpd="sng" algn="ctr">
-          <a:solidFill>
-            <a:schemeClr val="accent1">
-              <a:hueOff val="0"/>
-              <a:satOff val="0"/>
-              <a:lumOff val="0"/>
-              <a:alphaOff val="0"/>
-            </a:schemeClr>
-          </a:solidFill>
-          <a:prstDash val="solid"/>
-          <a:miter lim="800000"/>
-        </a:ln>
-        <a:effectLst/>
-      </dsp:spPr>
-      <dsp:style>
-        <a:lnRef idx="2">
-          <a:scrgbClr r="0" g="0" b="0"/>
-        </a:lnRef>
-        <a:fillRef idx="1">
-          <a:scrgbClr r="0" g="0" b="0"/>
-        </a:fillRef>
-        <a:effectRef idx="0">
-          <a:scrgbClr r="0" g="0" b="0"/>
-        </a:effectRef>
-        <a:fontRef idx="minor"/>
-      </dsp:style>
-      <dsp:txBody>
-        <a:bodyPr spcFirstLastPara="0" vert="horz" wrap="square" lIns="41910" tIns="41910" rIns="41910" bIns="41910" numCol="1" spcCol="1270" anchor="ctr" anchorCtr="0">
-          <a:noAutofit/>
-        </a:bodyPr>
-        <a:lstStyle/>
-        <a:p>
-          <a:pPr lvl="0" algn="ctr" defTabSz="488950">
-            <a:lnSpc>
-              <a:spcPct val="90000"/>
-            </a:lnSpc>
-            <a:spcBef>
-              <a:spcPct val="0"/>
-            </a:spcBef>
-            <a:spcAft>
-              <a:spcPct val="35000"/>
-            </a:spcAft>
-          </a:pPr>
-          <a:r>
-            <a:rPr lang="en-US" sz="1100" kern="1200" dirty="0" smtClean="0"/>
-            <a:t>Detect origin of problem</a:t>
-          </a:r>
-          <a:endParaRPr lang="en-US" sz="1100" kern="1200" dirty="0"/>
-        </a:p>
-      </dsp:txBody>
-      <dsp:txXfrm>
-        <a:off x="6760107" y="3531895"/>
-        <a:ext cx="1041915" cy="646923"/>
-      </dsp:txXfrm>
-    </dsp:sp>
-    <dsp:sp modelId="{023BC3C2-4288-4387-9F93-7FC27445DF1B}">
-      <dsp:nvSpPr>
-        <dsp:cNvPr id="0" name=""/>
-        <dsp:cNvSpPr/>
-      </dsp:nvSpPr>
-      <dsp:spPr>
-        <a:xfrm>
-          <a:off x="7942391" y="3397539"/>
-          <a:ext cx="1082169" cy="687177"/>
-        </a:xfrm>
-        <a:prstGeom prst="roundRect">
-          <a:avLst>
-            <a:gd name="adj" fmla="val 10000"/>
-          </a:avLst>
-        </a:prstGeom>
-        <a:solidFill>
-          <a:schemeClr val="accent1">
-            <a:hueOff val="0"/>
-            <a:satOff val="0"/>
-            <a:lumOff val="0"/>
-            <a:alphaOff val="0"/>
-          </a:schemeClr>
-        </a:solidFill>
-        <a:ln w="12700" cap="flat" cmpd="sng" algn="ctr">
-          <a:solidFill>
-            <a:schemeClr val="lt1">
-              <a:hueOff val="0"/>
-              <a:satOff val="0"/>
-              <a:lumOff val="0"/>
-              <a:alphaOff val="0"/>
-            </a:schemeClr>
-          </a:solidFill>
-          <a:prstDash val="solid"/>
-          <a:miter lim="800000"/>
-        </a:ln>
-        <a:effectLst/>
-      </dsp:spPr>
-      <dsp:style>
-        <a:lnRef idx="2">
-          <a:scrgbClr r="0" g="0" b="0"/>
-        </a:lnRef>
-        <a:fillRef idx="1">
-          <a:scrgbClr r="0" g="0" b="0"/>
-        </a:fillRef>
-        <a:effectRef idx="0">
-          <a:scrgbClr r="0" g="0" b="0"/>
-        </a:effectRef>
-        <a:fontRef idx="minor">
-          <a:schemeClr val="lt1"/>
-        </a:fontRef>
-      </dsp:style>
-    </dsp:sp>
-    <dsp:sp modelId="{FD022467-6F40-4C3D-97AD-3280B60242C7}">
-      <dsp:nvSpPr>
-        <dsp:cNvPr id="0" name=""/>
-        <dsp:cNvSpPr/>
-      </dsp:nvSpPr>
-      <dsp:spPr>
-        <a:xfrm>
-          <a:off x="8062632" y="3511768"/>
-          <a:ext cx="1082169" cy="687177"/>
-        </a:xfrm>
-        <a:prstGeom prst="roundRect">
-          <a:avLst>
-            <a:gd name="adj" fmla="val 10000"/>
-          </a:avLst>
-        </a:prstGeom>
-        <a:solidFill>
-          <a:schemeClr val="lt1">
-            <a:alpha val="90000"/>
-            <a:hueOff val="0"/>
-            <a:satOff val="0"/>
-            <a:lumOff val="0"/>
-            <a:alphaOff val="0"/>
-          </a:schemeClr>
-        </a:solidFill>
-        <a:ln w="12700" cap="flat" cmpd="sng" algn="ctr">
-          <a:solidFill>
-            <a:schemeClr val="accent1">
-              <a:hueOff val="0"/>
-              <a:satOff val="0"/>
-              <a:lumOff val="0"/>
-              <a:alphaOff val="0"/>
-            </a:schemeClr>
-          </a:solidFill>
-          <a:prstDash val="solid"/>
-          <a:miter lim="800000"/>
-        </a:ln>
-        <a:effectLst/>
-      </dsp:spPr>
-      <dsp:style>
-        <a:lnRef idx="2">
-          <a:scrgbClr r="0" g="0" b="0"/>
-        </a:lnRef>
-        <a:fillRef idx="1">
-          <a:scrgbClr r="0" g="0" b="0"/>
-        </a:fillRef>
-        <a:effectRef idx="0">
-          <a:scrgbClr r="0" g="0" b="0"/>
-        </a:effectRef>
-        <a:fontRef idx="minor"/>
-      </dsp:style>
-      <dsp:txBody>
-        <a:bodyPr spcFirstLastPara="0" vert="horz" wrap="square" lIns="41910" tIns="41910" rIns="41910" bIns="41910" numCol="1" spcCol="1270" anchor="ctr" anchorCtr="0">
-          <a:noAutofit/>
-        </a:bodyPr>
-        <a:lstStyle/>
-        <a:p>
-          <a:pPr lvl="0" algn="ctr" defTabSz="488950">
-            <a:lnSpc>
-              <a:spcPct val="90000"/>
-            </a:lnSpc>
-            <a:spcBef>
-              <a:spcPct val="0"/>
-            </a:spcBef>
-            <a:spcAft>
-              <a:spcPct val="35000"/>
-            </a:spcAft>
-          </a:pPr>
-          <a:r>
-            <a:rPr lang="en-US" sz="1100" kern="1200" dirty="0" smtClean="0"/>
-            <a:t>Propose solutions</a:t>
-          </a:r>
-          <a:endParaRPr lang="en-US" sz="1100" kern="1200" dirty="0"/>
-        </a:p>
-      </dsp:txBody>
-      <dsp:txXfrm>
-        <a:off x="8082759" y="3531895"/>
-        <a:ext cx="1041915" cy="646923"/>
-      </dsp:txXfrm>
-    </dsp:sp>
-    <dsp:sp modelId="{2F5E8973-C603-4E70-AB88-DF556861C57C}">
-      <dsp:nvSpPr>
-        <dsp:cNvPr id="0" name=""/>
-        <dsp:cNvSpPr/>
-      </dsp:nvSpPr>
-      <dsp:spPr>
-        <a:xfrm>
-          <a:off x="9265043" y="2395630"/>
-          <a:ext cx="1082169" cy="687177"/>
-        </a:xfrm>
-        <a:prstGeom prst="roundRect">
-          <a:avLst>
-            <a:gd name="adj" fmla="val 10000"/>
-          </a:avLst>
-        </a:prstGeom>
-        <a:solidFill>
-          <a:schemeClr val="accent1">
-            <a:hueOff val="0"/>
-            <a:satOff val="0"/>
-            <a:lumOff val="0"/>
-            <a:alphaOff val="0"/>
-          </a:schemeClr>
-        </a:solidFill>
-        <a:ln w="12700" cap="flat" cmpd="sng" algn="ctr">
-          <a:solidFill>
-            <a:schemeClr val="lt1">
-              <a:hueOff val="0"/>
-              <a:satOff val="0"/>
-              <a:lumOff val="0"/>
-              <a:alphaOff val="0"/>
-            </a:schemeClr>
-          </a:solidFill>
-          <a:prstDash val="solid"/>
-          <a:miter lim="800000"/>
-        </a:ln>
-        <a:effectLst/>
-      </dsp:spPr>
-      <dsp:style>
-        <a:lnRef idx="2">
-          <a:scrgbClr r="0" g="0" b="0"/>
-        </a:lnRef>
-        <a:fillRef idx="1">
-          <a:scrgbClr r="0" g="0" b="0"/>
-        </a:fillRef>
-        <a:effectRef idx="0">
-          <a:scrgbClr r="0" g="0" b="0"/>
-        </a:effectRef>
-        <a:fontRef idx="minor">
-          <a:schemeClr val="lt1"/>
-        </a:fontRef>
-      </dsp:style>
-    </dsp:sp>
-    <dsp:sp modelId="{13625C8E-9E2B-420F-9037-DDC0E70D960B}">
-      <dsp:nvSpPr>
-        <dsp:cNvPr id="0" name=""/>
-        <dsp:cNvSpPr/>
-      </dsp:nvSpPr>
-      <dsp:spPr>
-        <a:xfrm>
-          <a:off x="9385284" y="2509859"/>
-          <a:ext cx="1082169" cy="687177"/>
-        </a:xfrm>
-        <a:prstGeom prst="roundRect">
-          <a:avLst>
-            <a:gd name="adj" fmla="val 10000"/>
-          </a:avLst>
-        </a:prstGeom>
-        <a:solidFill>
-          <a:schemeClr val="lt1">
-            <a:alpha val="90000"/>
-            <a:hueOff val="0"/>
-            <a:satOff val="0"/>
-            <a:lumOff val="0"/>
-            <a:alphaOff val="0"/>
-          </a:schemeClr>
-        </a:solidFill>
-        <a:ln w="12700" cap="flat" cmpd="sng" algn="ctr">
-          <a:solidFill>
-            <a:schemeClr val="accent1">
-              <a:hueOff val="0"/>
-              <a:satOff val="0"/>
-              <a:lumOff val="0"/>
-              <a:alphaOff val="0"/>
-            </a:schemeClr>
-          </a:solidFill>
-          <a:prstDash val="solid"/>
-          <a:miter lim="800000"/>
-        </a:ln>
-        <a:effectLst/>
-      </dsp:spPr>
-      <dsp:style>
-        <a:lnRef idx="2">
-          <a:scrgbClr r="0" g="0" b="0"/>
-        </a:lnRef>
-        <a:fillRef idx="1">
-          <a:scrgbClr r="0" g="0" b="0"/>
-        </a:fillRef>
-        <a:effectRef idx="0">
-          <a:scrgbClr r="0" g="0" b="0"/>
-        </a:effectRef>
-        <a:fontRef idx="minor"/>
-      </dsp:style>
-      <dsp:txBody>
-        <a:bodyPr spcFirstLastPara="0" vert="horz" wrap="square" lIns="41910" tIns="41910" rIns="41910" bIns="41910" numCol="1" spcCol="1270" anchor="ctr" anchorCtr="0">
-          <a:noAutofit/>
-        </a:bodyPr>
-        <a:lstStyle/>
-        <a:p>
-          <a:pPr lvl="0" algn="ctr" defTabSz="488950">
-            <a:lnSpc>
-              <a:spcPct val="90000"/>
-            </a:lnSpc>
-            <a:spcBef>
-              <a:spcPct val="0"/>
-            </a:spcBef>
-            <a:spcAft>
-              <a:spcPct val="35000"/>
-            </a:spcAft>
-          </a:pPr>
-          <a:r>
-            <a:rPr lang="en-US" sz="1100" kern="1200" dirty="0" smtClean="0"/>
-            <a:t>Improve</a:t>
-          </a:r>
-          <a:endParaRPr lang="en-US" sz="1100" kern="1200" dirty="0"/>
-        </a:p>
-      </dsp:txBody>
-      <dsp:txXfrm>
-        <a:off x="9405411" y="2529986"/>
-        <a:ext cx="1041915" cy="646923"/>
-      </dsp:txXfrm>
-    </dsp:sp>
-    <dsp:sp modelId="{C0E312E5-A3E3-4D14-AFED-C22B59D8B0E5}">
-      <dsp:nvSpPr>
-        <dsp:cNvPr id="0" name=""/>
-        <dsp:cNvSpPr/>
-      </dsp:nvSpPr>
-      <dsp:spPr>
-        <a:xfrm>
-          <a:off x="9265043" y="3397539"/>
-          <a:ext cx="1082169" cy="687177"/>
-        </a:xfrm>
-        <a:prstGeom prst="roundRect">
-          <a:avLst>
-            <a:gd name="adj" fmla="val 10000"/>
-          </a:avLst>
-        </a:prstGeom>
-        <a:solidFill>
-          <a:schemeClr val="accent1">
-            <a:hueOff val="0"/>
-            <a:satOff val="0"/>
-            <a:lumOff val="0"/>
-            <a:alphaOff val="0"/>
-          </a:schemeClr>
-        </a:solidFill>
-        <a:ln w="12700" cap="flat" cmpd="sng" algn="ctr">
-          <a:solidFill>
-            <a:schemeClr val="lt1">
-              <a:hueOff val="0"/>
-              <a:satOff val="0"/>
-              <a:lumOff val="0"/>
-              <a:alphaOff val="0"/>
-            </a:schemeClr>
-          </a:solidFill>
-          <a:prstDash val="solid"/>
-          <a:miter lim="800000"/>
-        </a:ln>
-        <a:effectLst/>
-      </dsp:spPr>
-      <dsp:style>
-        <a:lnRef idx="2">
-          <a:scrgbClr r="0" g="0" b="0"/>
-        </a:lnRef>
-        <a:fillRef idx="1">
-          <a:scrgbClr r="0" g="0" b="0"/>
-        </a:fillRef>
-        <a:effectRef idx="0">
-          <a:scrgbClr r="0" g="0" b="0"/>
-        </a:effectRef>
-        <a:fontRef idx="minor">
-          <a:schemeClr val="lt1"/>
-        </a:fontRef>
-      </dsp:style>
-    </dsp:sp>
-    <dsp:sp modelId="{5A4487F5-00D2-48E5-9EA7-D9C1CF334135}">
-      <dsp:nvSpPr>
-        <dsp:cNvPr id="0" name=""/>
-        <dsp:cNvSpPr/>
-      </dsp:nvSpPr>
-      <dsp:spPr>
-        <a:xfrm>
-          <a:off x="9385284" y="3511768"/>
-          <a:ext cx="1082169" cy="687177"/>
-        </a:xfrm>
-        <a:prstGeom prst="roundRect">
-          <a:avLst>
-            <a:gd name="adj" fmla="val 10000"/>
-          </a:avLst>
-        </a:prstGeom>
-        <a:solidFill>
-          <a:schemeClr val="lt1">
-            <a:alpha val="90000"/>
-            <a:hueOff val="0"/>
-            <a:satOff val="0"/>
-            <a:lumOff val="0"/>
-            <a:alphaOff val="0"/>
-          </a:schemeClr>
-        </a:solidFill>
-        <a:ln w="12700" cap="flat" cmpd="sng" algn="ctr">
-          <a:solidFill>
-            <a:schemeClr val="accent1">
-              <a:hueOff val="0"/>
-              <a:satOff val="0"/>
-              <a:lumOff val="0"/>
-              <a:alphaOff val="0"/>
-            </a:schemeClr>
-          </a:solidFill>
-          <a:prstDash val="solid"/>
-          <a:miter lim="800000"/>
-        </a:ln>
-        <a:effectLst/>
-      </dsp:spPr>
-      <dsp:style>
-        <a:lnRef idx="2">
-          <a:scrgbClr r="0" g="0" b="0"/>
-        </a:lnRef>
-        <a:fillRef idx="1">
-          <a:scrgbClr r="0" g="0" b="0"/>
-        </a:fillRef>
-        <a:effectRef idx="0">
-          <a:scrgbClr r="0" g="0" b="0"/>
-        </a:effectRef>
-        <a:fontRef idx="minor"/>
-      </dsp:style>
-      <dsp:txBody>
-        <a:bodyPr spcFirstLastPara="0" vert="horz" wrap="square" lIns="41910" tIns="41910" rIns="41910" bIns="41910" numCol="1" spcCol="1270" anchor="ctr" anchorCtr="0">
-          <a:noAutofit/>
-        </a:bodyPr>
-        <a:lstStyle/>
-        <a:p>
-          <a:pPr lvl="0" algn="ctr" defTabSz="488950">
-            <a:lnSpc>
-              <a:spcPct val="90000"/>
-            </a:lnSpc>
-            <a:spcBef>
-              <a:spcPct val="0"/>
-            </a:spcBef>
-            <a:spcAft>
-              <a:spcPct val="35000"/>
-            </a:spcAft>
-          </a:pPr>
-          <a:r>
-            <a:rPr lang="en-US" sz="1100" kern="1200" dirty="0" smtClean="0"/>
-            <a:t>Implement approved solutions</a:t>
-          </a:r>
-          <a:endParaRPr lang="en-US" sz="1100" kern="1200" dirty="0"/>
-        </a:p>
-      </dsp:txBody>
-      <dsp:txXfrm>
-        <a:off x="9405411" y="3531895"/>
-        <a:ext cx="1041915" cy="646923"/>
-      </dsp:txXfrm>
-    </dsp:sp>
-    <dsp:sp modelId="{7E74A588-5E9C-4DDE-8007-CF6DBC16B23A}">
-      <dsp:nvSpPr>
-        <dsp:cNvPr id="0" name=""/>
-        <dsp:cNvSpPr/>
-      </dsp:nvSpPr>
-      <dsp:spPr>
-        <a:xfrm>
-          <a:off x="10587695" y="2395630"/>
-          <a:ext cx="1082169" cy="687177"/>
-        </a:xfrm>
-        <a:prstGeom prst="roundRect">
-          <a:avLst>
-            <a:gd name="adj" fmla="val 10000"/>
-          </a:avLst>
-        </a:prstGeom>
-        <a:solidFill>
-          <a:schemeClr val="accent1">
-            <a:hueOff val="0"/>
-            <a:satOff val="0"/>
-            <a:lumOff val="0"/>
-            <a:alphaOff val="0"/>
-          </a:schemeClr>
-        </a:solidFill>
-        <a:ln w="12700" cap="flat" cmpd="sng" algn="ctr">
-          <a:solidFill>
-            <a:schemeClr val="lt1">
-              <a:hueOff val="0"/>
-              <a:satOff val="0"/>
-              <a:lumOff val="0"/>
-              <a:alphaOff val="0"/>
-            </a:schemeClr>
-          </a:solidFill>
-          <a:prstDash val="solid"/>
-          <a:miter lim="800000"/>
-        </a:ln>
-        <a:effectLst/>
-      </dsp:spPr>
-      <dsp:style>
-        <a:lnRef idx="2">
-          <a:scrgbClr r="0" g="0" b="0"/>
-        </a:lnRef>
-        <a:fillRef idx="1">
-          <a:scrgbClr r="0" g="0" b="0"/>
-        </a:fillRef>
-        <a:effectRef idx="0">
-          <a:scrgbClr r="0" g="0" b="0"/>
-        </a:effectRef>
-        <a:fontRef idx="minor">
-          <a:schemeClr val="lt1"/>
-        </a:fontRef>
-      </dsp:style>
-    </dsp:sp>
-    <dsp:sp modelId="{C7E5A7B5-010F-4AF4-9DC1-C602D943DE11}">
-      <dsp:nvSpPr>
-        <dsp:cNvPr id="0" name=""/>
-        <dsp:cNvSpPr/>
-      </dsp:nvSpPr>
-      <dsp:spPr>
-        <a:xfrm>
-          <a:off x="10707936" y="2509859"/>
-          <a:ext cx="1082169" cy="687177"/>
-        </a:xfrm>
-        <a:prstGeom prst="roundRect">
-          <a:avLst>
-            <a:gd name="adj" fmla="val 10000"/>
-          </a:avLst>
-        </a:prstGeom>
-        <a:solidFill>
-          <a:schemeClr val="lt1">
-            <a:alpha val="90000"/>
-            <a:hueOff val="0"/>
-            <a:satOff val="0"/>
-            <a:lumOff val="0"/>
-            <a:alphaOff val="0"/>
-          </a:schemeClr>
-        </a:solidFill>
-        <a:ln w="12700" cap="flat" cmpd="sng" algn="ctr">
-          <a:solidFill>
-            <a:schemeClr val="accent1">
-              <a:hueOff val="0"/>
-              <a:satOff val="0"/>
-              <a:lumOff val="0"/>
-              <a:alphaOff val="0"/>
-            </a:schemeClr>
-          </a:solidFill>
-          <a:prstDash val="solid"/>
-          <a:miter lim="800000"/>
-        </a:ln>
-        <a:effectLst/>
-      </dsp:spPr>
-      <dsp:style>
-        <a:lnRef idx="2">
-          <a:scrgbClr r="0" g="0" b="0"/>
-        </a:lnRef>
-        <a:fillRef idx="1">
-          <a:scrgbClr r="0" g="0" b="0"/>
-        </a:fillRef>
-        <a:effectRef idx="0">
-          <a:scrgbClr r="0" g="0" b="0"/>
-        </a:effectRef>
-        <a:fontRef idx="minor"/>
-      </dsp:style>
-      <dsp:txBody>
-        <a:bodyPr spcFirstLastPara="0" vert="horz" wrap="square" lIns="41910" tIns="41910" rIns="41910" bIns="41910" numCol="1" spcCol="1270" anchor="ctr" anchorCtr="0">
-          <a:noAutofit/>
-        </a:bodyPr>
-        <a:lstStyle/>
-        <a:p>
-          <a:pPr lvl="0" algn="ctr" defTabSz="488950">
-            <a:lnSpc>
-              <a:spcPct val="90000"/>
-            </a:lnSpc>
-            <a:spcBef>
-              <a:spcPct val="0"/>
-            </a:spcBef>
-            <a:spcAft>
-              <a:spcPct val="35000"/>
-            </a:spcAft>
-          </a:pPr>
-          <a:r>
-            <a:rPr lang="en-US" sz="1100" kern="1200" dirty="0" smtClean="0"/>
-            <a:t>Control</a:t>
-          </a:r>
-          <a:endParaRPr lang="en-US" sz="1100" kern="1200" dirty="0"/>
-        </a:p>
-      </dsp:txBody>
-      <dsp:txXfrm>
-        <a:off x="10728063" y="2529986"/>
-        <a:ext cx="1041915" cy="646923"/>
-      </dsp:txXfrm>
-    </dsp:sp>
-    <dsp:sp modelId="{E4C229D0-6225-4664-BD5F-E1471F2CD301}">
-      <dsp:nvSpPr>
-        <dsp:cNvPr id="0" name=""/>
-        <dsp:cNvSpPr/>
-      </dsp:nvSpPr>
-      <dsp:spPr>
-        <a:xfrm>
-          <a:off x="10587695" y="3397539"/>
-          <a:ext cx="1082169" cy="687177"/>
-        </a:xfrm>
-        <a:prstGeom prst="roundRect">
-          <a:avLst>
-            <a:gd name="adj" fmla="val 10000"/>
-          </a:avLst>
-        </a:prstGeom>
-        <a:solidFill>
-          <a:schemeClr val="accent1">
-            <a:hueOff val="0"/>
-            <a:satOff val="0"/>
-            <a:lumOff val="0"/>
-            <a:alphaOff val="0"/>
-          </a:schemeClr>
-        </a:solidFill>
-        <a:ln w="12700" cap="flat" cmpd="sng" algn="ctr">
-          <a:solidFill>
-            <a:schemeClr val="lt1">
-              <a:hueOff val="0"/>
-              <a:satOff val="0"/>
-              <a:lumOff val="0"/>
-              <a:alphaOff val="0"/>
-            </a:schemeClr>
-          </a:solidFill>
-          <a:prstDash val="solid"/>
-          <a:miter lim="800000"/>
-        </a:ln>
-        <a:effectLst/>
-      </dsp:spPr>
-      <dsp:style>
-        <a:lnRef idx="2">
-          <a:scrgbClr r="0" g="0" b="0"/>
-        </a:lnRef>
-        <a:fillRef idx="1">
-          <a:scrgbClr r="0" g="0" b="0"/>
-        </a:fillRef>
-        <a:effectRef idx="0">
-          <a:scrgbClr r="0" g="0" b="0"/>
-        </a:effectRef>
-        <a:fontRef idx="minor">
-          <a:schemeClr val="lt1"/>
-        </a:fontRef>
-      </dsp:style>
-    </dsp:sp>
-    <dsp:sp modelId="{ACDADB69-C094-4F8E-8C21-D931D47FF339}">
-      <dsp:nvSpPr>
-        <dsp:cNvPr id="0" name=""/>
-        <dsp:cNvSpPr/>
-      </dsp:nvSpPr>
-      <dsp:spPr>
-        <a:xfrm>
-          <a:off x="10707936" y="3511768"/>
-          <a:ext cx="1082169" cy="687177"/>
-        </a:xfrm>
-        <a:prstGeom prst="roundRect">
-          <a:avLst>
-            <a:gd name="adj" fmla="val 10000"/>
-          </a:avLst>
-        </a:prstGeom>
-        <a:solidFill>
-          <a:schemeClr val="lt1">
-            <a:alpha val="90000"/>
-            <a:hueOff val="0"/>
-            <a:satOff val="0"/>
-            <a:lumOff val="0"/>
-            <a:alphaOff val="0"/>
-          </a:schemeClr>
-        </a:solidFill>
-        <a:ln w="12700" cap="flat" cmpd="sng" algn="ctr">
-          <a:solidFill>
-            <a:schemeClr val="accent1">
-              <a:hueOff val="0"/>
-              <a:satOff val="0"/>
-              <a:lumOff val="0"/>
-              <a:alphaOff val="0"/>
-            </a:schemeClr>
-          </a:solidFill>
-          <a:prstDash val="solid"/>
-          <a:miter lim="800000"/>
-        </a:ln>
-        <a:effectLst/>
-      </dsp:spPr>
-      <dsp:style>
-        <a:lnRef idx="2">
-          <a:scrgbClr r="0" g="0" b="0"/>
-        </a:lnRef>
-        <a:fillRef idx="1">
-          <a:scrgbClr r="0" g="0" b="0"/>
-        </a:fillRef>
-        <a:effectRef idx="0">
-          <a:scrgbClr r="0" g="0" b="0"/>
-        </a:effectRef>
-        <a:fontRef idx="minor"/>
-      </dsp:style>
-      <dsp:txBody>
-        <a:bodyPr spcFirstLastPara="0" vert="horz" wrap="square" lIns="41910" tIns="41910" rIns="41910" bIns="41910" numCol="1" spcCol="1270" anchor="ctr" anchorCtr="0">
-          <a:noAutofit/>
-        </a:bodyPr>
-        <a:lstStyle/>
-        <a:p>
-          <a:pPr lvl="0" algn="ctr" defTabSz="488950">
-            <a:lnSpc>
-              <a:spcPct val="90000"/>
-            </a:lnSpc>
-            <a:spcBef>
-              <a:spcPct val="0"/>
-            </a:spcBef>
-            <a:spcAft>
-              <a:spcPct val="35000"/>
-            </a:spcAft>
-          </a:pPr>
-          <a:r>
-            <a:rPr lang="en-US" sz="1100" kern="1200" dirty="0" smtClean="0"/>
-            <a:t>Assure a correct implementation of solutions</a:t>
-          </a:r>
-          <a:endParaRPr lang="en-US" sz="1100" kern="1200" dirty="0"/>
-        </a:p>
-      </dsp:txBody>
-      <dsp:txXfrm>
-        <a:off x="10728063" y="3531895"/>
-        <a:ext cx="1041915" cy="646923"/>
-      </dsp:txXfrm>
-    </dsp:sp>
   </dsp:spTree>
 </dsp:drawing>
 </file>
@@ -12985,7 +10170,7 @@
           <a:p>
             <a:fld id="{1A5EEA19-1F55-4034-B6FB-3BCF78F99681}" type="datetimeFigureOut">
               <a:rPr lang="en-US" smtClean="0"/>
-              <a:t>6/4/2018</a:t>
+              <a:t>6/5/2018</a:t>
             </a:fld>
             <a:endParaRPr lang="en-US"/>
           </a:p>
@@ -13155,7 +10340,7 @@
           <a:p>
             <a:fld id="{1A5EEA19-1F55-4034-B6FB-3BCF78F99681}" type="datetimeFigureOut">
               <a:rPr lang="en-US" smtClean="0"/>
-              <a:t>6/4/2018</a:t>
+              <a:t>6/5/2018</a:t>
             </a:fld>
             <a:endParaRPr lang="en-US"/>
           </a:p>
@@ -13335,7 +10520,7 @@
           <a:p>
             <a:fld id="{1A5EEA19-1F55-4034-B6FB-3BCF78F99681}" type="datetimeFigureOut">
               <a:rPr lang="en-US" smtClean="0"/>
-              <a:t>6/4/2018</a:t>
+              <a:t>6/5/2018</a:t>
             </a:fld>
             <a:endParaRPr lang="en-US"/>
           </a:p>
@@ -13505,7 +10690,7 @@
           <a:p>
             <a:fld id="{1A5EEA19-1F55-4034-B6FB-3BCF78F99681}" type="datetimeFigureOut">
               <a:rPr lang="en-US" smtClean="0"/>
-              <a:t>6/4/2018</a:t>
+              <a:t>6/5/2018</a:t>
             </a:fld>
             <a:endParaRPr lang="en-US"/>
           </a:p>
@@ -13751,7 +10936,7 @@
           <a:p>
             <a:fld id="{1A5EEA19-1F55-4034-B6FB-3BCF78F99681}" type="datetimeFigureOut">
               <a:rPr lang="en-US" smtClean="0"/>
-              <a:t>6/4/2018</a:t>
+              <a:t>6/5/2018</a:t>
             </a:fld>
             <a:endParaRPr lang="en-US"/>
           </a:p>
@@ -13983,7 +11168,7 @@
           <a:p>
             <a:fld id="{1A5EEA19-1F55-4034-B6FB-3BCF78F99681}" type="datetimeFigureOut">
               <a:rPr lang="en-US" smtClean="0"/>
-              <a:t>6/4/2018</a:t>
+              <a:t>6/5/2018</a:t>
             </a:fld>
             <a:endParaRPr lang="en-US"/>
           </a:p>
@@ -14350,7 +11535,7 @@
           <a:p>
             <a:fld id="{1A5EEA19-1F55-4034-B6FB-3BCF78F99681}" type="datetimeFigureOut">
               <a:rPr lang="en-US" smtClean="0"/>
-              <a:t>6/4/2018</a:t>
+              <a:t>6/5/2018</a:t>
             </a:fld>
             <a:endParaRPr lang="en-US"/>
           </a:p>
@@ -14468,7 +11653,7 @@
           <a:p>
             <a:fld id="{1A5EEA19-1F55-4034-B6FB-3BCF78F99681}" type="datetimeFigureOut">
               <a:rPr lang="en-US" smtClean="0"/>
-              <a:t>6/4/2018</a:t>
+              <a:t>6/5/2018</a:t>
             </a:fld>
             <a:endParaRPr lang="en-US"/>
           </a:p>
@@ -14563,7 +11748,7 @@
           <a:p>
             <a:fld id="{1A5EEA19-1F55-4034-B6FB-3BCF78F99681}" type="datetimeFigureOut">
               <a:rPr lang="en-US" smtClean="0"/>
-              <a:t>6/4/2018</a:t>
+              <a:t>6/5/2018</a:t>
             </a:fld>
             <a:endParaRPr lang="en-US"/>
           </a:p>
@@ -14840,7 +12025,7 @@
           <a:p>
             <a:fld id="{1A5EEA19-1F55-4034-B6FB-3BCF78F99681}" type="datetimeFigureOut">
               <a:rPr lang="en-US" smtClean="0"/>
-              <a:t>6/4/2018</a:t>
+              <a:t>6/5/2018</a:t>
             </a:fld>
             <a:endParaRPr lang="en-US"/>
           </a:p>
@@ -15093,7 +12278,7 @@
           <a:p>
             <a:fld id="{1A5EEA19-1F55-4034-B6FB-3BCF78F99681}" type="datetimeFigureOut">
               <a:rPr lang="en-US" smtClean="0"/>
-              <a:t>6/4/2018</a:t>
+              <a:t>6/5/2018</a:t>
             </a:fld>
             <a:endParaRPr lang="en-US"/>
           </a:p>
@@ -15306,7 +12491,7 @@
           <a:p>
             <a:fld id="{1A5EEA19-1F55-4034-B6FB-3BCF78F99681}" type="datetimeFigureOut">
               <a:rPr lang="en-US" smtClean="0"/>
-              <a:t>6/4/2018</a:t>
+              <a:t>6/5/2018</a:t>
             </a:fld>
             <a:endParaRPr lang="en-US"/>
           </a:p>
@@ -15754,15 +12939,7 @@
           <a:p>
             <a:r>
               <a:rPr lang="en-US" dirty="0" smtClean="0"/>
-              <a:t>6. </a:t>
-            </a:r>
-            <a:r>
-              <a:rPr lang="en-US" dirty="0" smtClean="0"/>
-              <a:t>Costs</a:t>
-            </a:r>
-            <a:r>
-              <a:rPr lang="en-US" dirty="0" smtClean="0"/>
-              <a:t>	</a:t>
+              <a:t>6. Costs	</a:t>
             </a:r>
             <a:endParaRPr lang="en-US" dirty="0"/>
           </a:p>
@@ -16177,11 +13354,6 @@
               </a:rPr>
               <a:t>Auditing – EN ROJO: SON LO MISMO?</a:t>
             </a:r>
-            <a:endParaRPr lang="en-US" dirty="0" smtClean="0">
-              <a:solidFill>
-                <a:srgbClr val="FF0000"/>
-              </a:solidFill>
-            </a:endParaRPr>
           </a:p>
           <a:p>
             <a:r>
@@ -16642,25 +13814,933 @@
           </a:p>
         </p:txBody>
       </p:sp>
-      <p:sp>
-        <p:nvSpPr>
-          <p:cNvPr id="3" name="Marcador de contenido 2"/>
-          <p:cNvSpPr>
-            <a:spLocks noGrp="1"/>
-          </p:cNvSpPr>
+      <p:graphicFrame>
+        <p:nvGraphicFramePr>
+          <p:cNvPr id="4" name="Marcador de contenido 3"/>
+          <p:cNvGraphicFramePr>
+            <a:graphicFrameLocks noGrp="1"/>
+          </p:cNvGraphicFramePr>
           <p:nvPr>
             <p:ph idx="1"/>
+            <p:extLst>
+              <p:ext uri="{D42A27DB-BD31-4B8C-83A1-F6EECF244321}">
+                <p14:modId xmlns:p14="http://schemas.microsoft.com/office/powerpoint/2010/main" val="103703321"/>
+              </p:ext>
+            </p:extLst>
           </p:nvPr>
-        </p:nvSpPr>
-        <p:spPr/>
-        <p:txBody>
-          <a:bodyPr/>
-          <a:lstStyle/>
-          <a:p>
-            <a:endParaRPr lang="en-US" dirty="0"/>
-          </a:p>
-        </p:txBody>
-      </p:sp>
+        </p:nvGraphicFramePr>
+        <p:xfrm>
+          <a:off x="762000" y="1771649"/>
+          <a:ext cx="10591801" cy="4069770"/>
+        </p:xfrm>
+        <a:graphic>
+          <a:graphicData uri="http://schemas.openxmlformats.org/drawingml/2006/table">
+            <a:tbl>
+              <a:tblPr>
+                <a:tableStyleId>{5C22544A-7EE6-4342-B048-85BDC9FD1C3A}</a:tableStyleId>
+              </a:tblPr>
+              <a:tblGrid>
+                <a:gridCol w="2702887"/>
+                <a:gridCol w="5120103"/>
+                <a:gridCol w="2768811"/>
+              </a:tblGrid>
+              <a:tr h="406977">
+                <a:tc>
+                  <a:txBody>
+                    <a:bodyPr/>
+                    <a:lstStyle/>
+                    <a:p>
+                      <a:pPr algn="l" fontAlgn="b"/>
+                      <a:r>
+                        <a:rPr lang="es-ES" sz="1800" u="none" strike="noStrike" dirty="0" err="1">
+                          <a:effectLst/>
+                        </a:rPr>
+                        <a:t>Frequency</a:t>
+                      </a:r>
+                      <a:r>
+                        <a:rPr lang="es-ES" sz="1800" u="none" strike="noStrike" dirty="0">
+                          <a:effectLst/>
+                        </a:rPr>
+                        <a:t> of </a:t>
+                      </a:r>
+                      <a:r>
+                        <a:rPr lang="es-ES" sz="1800" u="none" strike="noStrike" dirty="0" err="1">
+                          <a:effectLst/>
+                        </a:rPr>
+                        <a:t>the</a:t>
+                      </a:r>
+                      <a:r>
+                        <a:rPr lang="es-ES" sz="1800" u="none" strike="noStrike" dirty="0">
+                          <a:effectLst/>
+                        </a:rPr>
+                        <a:t> </a:t>
+                      </a:r>
+                      <a:r>
+                        <a:rPr lang="es-ES" sz="1800" u="none" strike="noStrike" dirty="0" err="1">
+                          <a:effectLst/>
+                        </a:rPr>
+                        <a:t>meetings</a:t>
+                      </a:r>
+                      <a:endParaRPr lang="es-ES" sz="1800" b="0" i="0" u="none" strike="noStrike" dirty="0">
+                        <a:solidFill>
+                          <a:srgbClr val="000000"/>
+                        </a:solidFill>
+                        <a:effectLst/>
+                        <a:latin typeface="Calibri" panose="020F0502020204030204" pitchFamily="34" charset="0"/>
+                      </a:endParaRPr>
+                    </a:p>
+                  </a:txBody>
+                  <a:tcPr marL="3810" marR="3810" marT="3810" marB="0" anchor="b">
+                    <a:solidFill>
+                      <a:schemeClr val="accent1">
+                        <a:lumMod val="60000"/>
+                        <a:lumOff val="40000"/>
+                      </a:schemeClr>
+                    </a:solidFill>
+                  </a:tcPr>
+                </a:tc>
+                <a:tc>
+                  <a:txBody>
+                    <a:bodyPr/>
+                    <a:lstStyle/>
+                    <a:p>
+                      <a:pPr algn="l" fontAlgn="b"/>
+                      <a:r>
+                        <a:rPr lang="es-ES" sz="1800" u="none" strike="noStrike" dirty="0" err="1">
+                          <a:effectLst/>
+                        </a:rPr>
+                        <a:t>Communication</a:t>
+                      </a:r>
+                      <a:r>
+                        <a:rPr lang="es-ES" sz="1800" u="none" strike="noStrike" dirty="0">
+                          <a:effectLst/>
+                        </a:rPr>
+                        <a:t> </a:t>
+                      </a:r>
+                      <a:r>
+                        <a:rPr lang="es-ES" sz="1800" u="none" strike="noStrike" dirty="0" err="1">
+                          <a:effectLst/>
+                        </a:rPr>
+                        <a:t>type</a:t>
+                      </a:r>
+                      <a:endParaRPr lang="es-ES" sz="1800" b="0" i="0" u="none" strike="noStrike" dirty="0">
+                        <a:solidFill>
+                          <a:srgbClr val="000000"/>
+                        </a:solidFill>
+                        <a:effectLst/>
+                        <a:latin typeface="Calibri" panose="020F0502020204030204" pitchFamily="34" charset="0"/>
+                      </a:endParaRPr>
+                    </a:p>
+                  </a:txBody>
+                  <a:tcPr marL="3810" marR="3810" marT="3810" marB="0" anchor="b">
+                    <a:solidFill>
+                      <a:schemeClr val="accent1">
+                        <a:lumMod val="60000"/>
+                        <a:lumOff val="40000"/>
+                      </a:schemeClr>
+                    </a:solidFill>
+                  </a:tcPr>
+                </a:tc>
+                <a:tc>
+                  <a:txBody>
+                    <a:bodyPr/>
+                    <a:lstStyle/>
+                    <a:p>
+                      <a:pPr algn="l" fontAlgn="b"/>
+                      <a:r>
+                        <a:rPr lang="es-ES" sz="1800" u="none" strike="noStrike" dirty="0">
+                          <a:effectLst/>
+                        </a:rPr>
+                        <a:t>Medium</a:t>
+                      </a:r>
+                      <a:endParaRPr lang="es-ES" sz="1800" b="0" i="0" u="none" strike="noStrike" dirty="0">
+                        <a:solidFill>
+                          <a:srgbClr val="000000"/>
+                        </a:solidFill>
+                        <a:effectLst/>
+                        <a:latin typeface="Calibri" panose="020F0502020204030204" pitchFamily="34" charset="0"/>
+                      </a:endParaRPr>
+                    </a:p>
+                  </a:txBody>
+                  <a:tcPr marL="3810" marR="3810" marT="3810" marB="0" anchor="b">
+                    <a:solidFill>
+                      <a:schemeClr val="accent1">
+                        <a:lumMod val="60000"/>
+                        <a:lumOff val="40000"/>
+                      </a:schemeClr>
+                    </a:solidFill>
+                  </a:tcPr>
+                </a:tc>
+              </a:tr>
+              <a:tr h="406977">
+                <a:tc>
+                  <a:txBody>
+                    <a:bodyPr/>
+                    <a:lstStyle/>
+                    <a:p>
+                      <a:pPr algn="l" fontAlgn="b"/>
+                      <a:r>
+                        <a:rPr lang="es-ES" sz="1800" u="none" strike="noStrike" dirty="0" err="1">
+                          <a:effectLst/>
+                        </a:rPr>
+                        <a:t>Weekly</a:t>
+                      </a:r>
+                      <a:endParaRPr lang="es-ES" sz="1800" b="0" i="0" u="none" strike="noStrike" dirty="0">
+                        <a:solidFill>
+                          <a:srgbClr val="000000"/>
+                        </a:solidFill>
+                        <a:effectLst/>
+                        <a:latin typeface="Calibri" panose="020F0502020204030204" pitchFamily="34" charset="0"/>
+                      </a:endParaRPr>
+                    </a:p>
+                  </a:txBody>
+                  <a:tcPr marL="3810" marR="3810" marT="3810" marB="0" anchor="b"/>
+                </a:tc>
+                <a:tc>
+                  <a:txBody>
+                    <a:bodyPr/>
+                    <a:lstStyle/>
+                    <a:p>
+                      <a:pPr algn="l" fontAlgn="b"/>
+                      <a:r>
+                        <a:rPr lang="es-ES" sz="1800" u="none" strike="noStrike" dirty="0" err="1">
+                          <a:effectLst/>
+                        </a:rPr>
+                        <a:t>Internal</a:t>
+                      </a:r>
+                      <a:r>
+                        <a:rPr lang="es-ES" sz="1800" u="none" strike="noStrike" dirty="0">
+                          <a:effectLst/>
+                        </a:rPr>
+                        <a:t> </a:t>
+                      </a:r>
+                      <a:r>
+                        <a:rPr lang="es-ES" sz="1800" u="none" strike="noStrike" dirty="0" err="1">
+                          <a:effectLst/>
+                        </a:rPr>
+                        <a:t>business</a:t>
+                      </a:r>
+                      <a:r>
+                        <a:rPr lang="es-ES" sz="1800" u="none" strike="noStrike" dirty="0">
+                          <a:effectLst/>
+                        </a:rPr>
+                        <a:t> status </a:t>
+                      </a:r>
+                      <a:r>
+                        <a:rPr lang="es-ES" sz="1800" u="none" strike="noStrike" dirty="0" err="1">
+                          <a:effectLst/>
+                        </a:rPr>
+                        <a:t>meetings</a:t>
+                      </a:r>
+                      <a:r>
+                        <a:rPr lang="es-ES" sz="1800" u="none" strike="noStrike" dirty="0">
+                          <a:effectLst/>
+                        </a:rPr>
+                        <a:t> </a:t>
+                      </a:r>
+                      <a:endParaRPr lang="es-ES" sz="1800" b="0" i="0" u="none" strike="noStrike" dirty="0">
+                        <a:solidFill>
+                          <a:srgbClr val="000000"/>
+                        </a:solidFill>
+                        <a:effectLst/>
+                        <a:latin typeface="Calibri" panose="020F0502020204030204" pitchFamily="34" charset="0"/>
+                      </a:endParaRPr>
+                    </a:p>
+                  </a:txBody>
+                  <a:tcPr marL="3810" marR="3810" marT="3810" marB="0" anchor="b"/>
+                </a:tc>
+                <a:tc>
+                  <a:txBody>
+                    <a:bodyPr/>
+                    <a:lstStyle/>
+                    <a:p>
+                      <a:pPr algn="l" fontAlgn="b"/>
+                      <a:r>
+                        <a:rPr lang="es-ES" sz="1800" u="none" strike="noStrike">
+                          <a:effectLst/>
+                        </a:rPr>
+                        <a:t>F2F</a:t>
+                      </a:r>
+                      <a:endParaRPr lang="es-ES" sz="1800" b="0" i="0" u="none" strike="noStrike">
+                        <a:solidFill>
+                          <a:srgbClr val="000000"/>
+                        </a:solidFill>
+                        <a:effectLst/>
+                        <a:latin typeface="Calibri" panose="020F0502020204030204" pitchFamily="34" charset="0"/>
+                      </a:endParaRPr>
+                    </a:p>
+                  </a:txBody>
+                  <a:tcPr marL="3810" marR="3810" marT="3810" marB="0" anchor="b"/>
+                </a:tc>
+              </a:tr>
+              <a:tr h="406977">
+                <a:tc>
+                  <a:txBody>
+                    <a:bodyPr/>
+                    <a:lstStyle/>
+                    <a:p>
+                      <a:pPr algn="l" fontAlgn="b"/>
+                      <a:endParaRPr lang="es-ES" sz="1800" b="0" i="0" u="none" strike="noStrike" dirty="0">
+                        <a:solidFill>
+                          <a:srgbClr val="000000"/>
+                        </a:solidFill>
+                        <a:effectLst/>
+                        <a:latin typeface="Calibri" panose="020F0502020204030204" pitchFamily="34" charset="0"/>
+                      </a:endParaRPr>
+                    </a:p>
+                  </a:txBody>
+                  <a:tcPr marL="3810" marR="3810" marT="3810" marB="0" anchor="b"/>
+                </a:tc>
+                <a:tc>
+                  <a:txBody>
+                    <a:bodyPr/>
+                    <a:lstStyle/>
+                    <a:p>
+                      <a:pPr algn="l" fontAlgn="b"/>
+                      <a:r>
+                        <a:rPr lang="en-US" sz="1800" u="none" strike="noStrike" dirty="0">
+                          <a:effectLst/>
+                        </a:rPr>
+                        <a:t>Technical and business status meetings and reports</a:t>
+                      </a:r>
+                      <a:endParaRPr lang="en-US" sz="1800" b="0" i="0" u="none" strike="noStrike" dirty="0">
+                        <a:solidFill>
+                          <a:srgbClr val="000000"/>
+                        </a:solidFill>
+                        <a:effectLst/>
+                        <a:latin typeface="Calibri" panose="020F0502020204030204" pitchFamily="34" charset="0"/>
+                      </a:endParaRPr>
+                    </a:p>
+                  </a:txBody>
+                  <a:tcPr marL="3810" marR="3810" marT="3810" marB="0" anchor="b"/>
+                </a:tc>
+                <a:tc>
+                  <a:txBody>
+                    <a:bodyPr/>
+                    <a:lstStyle/>
+                    <a:p>
+                      <a:pPr algn="l" fontAlgn="b"/>
+                      <a:r>
+                        <a:rPr lang="es-ES" sz="1800" u="none" strike="noStrike">
+                          <a:effectLst/>
+                        </a:rPr>
+                        <a:t>F2F</a:t>
+                      </a:r>
+                      <a:endParaRPr lang="es-ES" sz="1800" b="0" i="0" u="none" strike="noStrike">
+                        <a:solidFill>
+                          <a:srgbClr val="000000"/>
+                        </a:solidFill>
+                        <a:effectLst/>
+                        <a:latin typeface="Calibri" panose="020F0502020204030204" pitchFamily="34" charset="0"/>
+                      </a:endParaRPr>
+                    </a:p>
+                  </a:txBody>
+                  <a:tcPr marL="3810" marR="3810" marT="3810" marB="0" anchor="b"/>
+                </a:tc>
+              </a:tr>
+              <a:tr h="406977">
+                <a:tc>
+                  <a:txBody>
+                    <a:bodyPr/>
+                    <a:lstStyle/>
+                    <a:p>
+                      <a:pPr algn="l" fontAlgn="b"/>
+                      <a:r>
+                        <a:rPr lang="es-ES" sz="1800" u="none" strike="noStrike" dirty="0" err="1">
+                          <a:effectLst/>
+                        </a:rPr>
+                        <a:t>Monthly</a:t>
+                      </a:r>
+                      <a:endParaRPr lang="es-ES" sz="1800" b="0" i="0" u="none" strike="noStrike" dirty="0">
+                        <a:solidFill>
+                          <a:srgbClr val="000000"/>
+                        </a:solidFill>
+                        <a:effectLst/>
+                        <a:latin typeface="Calibri" panose="020F0502020204030204" pitchFamily="34" charset="0"/>
+                      </a:endParaRPr>
+                    </a:p>
+                  </a:txBody>
+                  <a:tcPr marL="3810" marR="3810" marT="3810" marB="0" anchor="b"/>
+                </a:tc>
+                <a:tc>
+                  <a:txBody>
+                    <a:bodyPr/>
+                    <a:lstStyle/>
+                    <a:p>
+                      <a:pPr algn="l" fontAlgn="b"/>
+                      <a:r>
+                        <a:rPr lang="es-ES" sz="1800" u="none" strike="noStrike" dirty="0" err="1">
+                          <a:effectLst/>
+                        </a:rPr>
+                        <a:t>Advisory</a:t>
+                      </a:r>
+                      <a:r>
+                        <a:rPr lang="es-ES" sz="1800" u="none" strike="noStrike" dirty="0">
+                          <a:effectLst/>
+                        </a:rPr>
+                        <a:t> </a:t>
+                      </a:r>
+                      <a:r>
+                        <a:rPr lang="es-ES" sz="1800" u="none" strike="noStrike" dirty="0" err="1">
+                          <a:effectLst/>
+                        </a:rPr>
+                        <a:t>committee</a:t>
+                      </a:r>
+                      <a:r>
+                        <a:rPr lang="es-ES" sz="1800" u="none" strike="noStrike" dirty="0">
+                          <a:effectLst/>
+                        </a:rPr>
+                        <a:t> </a:t>
+                      </a:r>
+                      <a:r>
+                        <a:rPr lang="es-ES" sz="1800" u="none" strike="noStrike" dirty="0" err="1">
+                          <a:effectLst/>
+                        </a:rPr>
+                        <a:t>meetings</a:t>
+                      </a:r>
+                      <a:endParaRPr lang="es-ES" sz="1800" b="0" i="0" u="none" strike="noStrike" dirty="0">
+                        <a:solidFill>
+                          <a:srgbClr val="000000"/>
+                        </a:solidFill>
+                        <a:effectLst/>
+                        <a:latin typeface="Calibri" panose="020F0502020204030204" pitchFamily="34" charset="0"/>
+                      </a:endParaRPr>
+                    </a:p>
+                  </a:txBody>
+                  <a:tcPr marL="3810" marR="3810" marT="3810" marB="0" anchor="b"/>
+                </a:tc>
+                <a:tc>
+                  <a:txBody>
+                    <a:bodyPr/>
+                    <a:lstStyle/>
+                    <a:p>
+                      <a:pPr algn="l" fontAlgn="b"/>
+                      <a:r>
+                        <a:rPr lang="es-ES" sz="1800" u="none" strike="noStrike">
+                          <a:effectLst/>
+                        </a:rPr>
+                        <a:t>F2F</a:t>
+                      </a:r>
+                      <a:endParaRPr lang="es-ES" sz="1800" b="0" i="0" u="none" strike="noStrike">
+                        <a:solidFill>
+                          <a:srgbClr val="000000"/>
+                        </a:solidFill>
+                        <a:effectLst/>
+                        <a:latin typeface="Calibri" panose="020F0502020204030204" pitchFamily="34" charset="0"/>
+                      </a:endParaRPr>
+                    </a:p>
+                  </a:txBody>
+                  <a:tcPr marL="3810" marR="3810" marT="3810" marB="0" anchor="b"/>
+                </a:tc>
+              </a:tr>
+              <a:tr h="406977">
+                <a:tc>
+                  <a:txBody>
+                    <a:bodyPr/>
+                    <a:lstStyle/>
+                    <a:p>
+                      <a:pPr algn="l" fontAlgn="b"/>
+                      <a:endParaRPr lang="es-ES" sz="1800" b="0" i="0" u="none" strike="noStrike" dirty="0">
+                        <a:solidFill>
+                          <a:srgbClr val="000000"/>
+                        </a:solidFill>
+                        <a:effectLst/>
+                        <a:latin typeface="Calibri" panose="020F0502020204030204" pitchFamily="34" charset="0"/>
+                      </a:endParaRPr>
+                    </a:p>
+                  </a:txBody>
+                  <a:tcPr marL="3810" marR="3810" marT="3810" marB="0" anchor="b"/>
+                </a:tc>
+                <a:tc>
+                  <a:txBody>
+                    <a:bodyPr/>
+                    <a:lstStyle/>
+                    <a:p>
+                      <a:pPr algn="l" fontAlgn="b"/>
+                      <a:r>
+                        <a:rPr lang="es-ES" sz="1800" u="none" strike="noStrike" dirty="0" err="1">
+                          <a:effectLst/>
+                        </a:rPr>
+                        <a:t>Steering</a:t>
+                      </a:r>
+                      <a:r>
+                        <a:rPr lang="es-ES" sz="1800" u="none" strike="noStrike" dirty="0">
+                          <a:effectLst/>
+                        </a:rPr>
+                        <a:t> </a:t>
+                      </a:r>
+                      <a:r>
+                        <a:rPr lang="es-ES" sz="1800" u="none" strike="noStrike" dirty="0" err="1">
+                          <a:effectLst/>
+                        </a:rPr>
+                        <a:t>committee</a:t>
+                      </a:r>
+                      <a:r>
+                        <a:rPr lang="es-ES" sz="1800" u="none" strike="noStrike" dirty="0">
+                          <a:effectLst/>
+                        </a:rPr>
+                        <a:t> status </a:t>
+                      </a:r>
+                      <a:r>
+                        <a:rPr lang="es-ES" sz="1800" u="none" strike="noStrike" dirty="0" err="1">
+                          <a:effectLst/>
+                        </a:rPr>
+                        <a:t>meetings</a:t>
+                      </a:r>
+                      <a:endParaRPr lang="es-ES" sz="1800" b="0" i="0" u="none" strike="noStrike" dirty="0">
+                        <a:solidFill>
+                          <a:srgbClr val="000000"/>
+                        </a:solidFill>
+                        <a:effectLst/>
+                        <a:latin typeface="Calibri" panose="020F0502020204030204" pitchFamily="34" charset="0"/>
+                      </a:endParaRPr>
+                    </a:p>
+                  </a:txBody>
+                  <a:tcPr marL="3810" marR="3810" marT="3810" marB="0" anchor="b"/>
+                </a:tc>
+                <a:tc>
+                  <a:txBody>
+                    <a:bodyPr/>
+                    <a:lstStyle/>
+                    <a:p>
+                      <a:pPr algn="l" fontAlgn="b"/>
+                      <a:r>
+                        <a:rPr lang="es-ES" sz="1800" u="none" strike="noStrike">
+                          <a:effectLst/>
+                        </a:rPr>
+                        <a:t>F2F</a:t>
+                      </a:r>
+                      <a:endParaRPr lang="es-ES" sz="1800" b="0" i="0" u="none" strike="noStrike">
+                        <a:solidFill>
+                          <a:srgbClr val="000000"/>
+                        </a:solidFill>
+                        <a:effectLst/>
+                        <a:latin typeface="Calibri" panose="020F0502020204030204" pitchFamily="34" charset="0"/>
+                      </a:endParaRPr>
+                    </a:p>
+                  </a:txBody>
+                  <a:tcPr marL="3810" marR="3810" marT="3810" marB="0" anchor="b"/>
+                </a:tc>
+              </a:tr>
+              <a:tr h="406977">
+                <a:tc>
+                  <a:txBody>
+                    <a:bodyPr/>
+                    <a:lstStyle/>
+                    <a:p>
+                      <a:pPr algn="l" fontAlgn="b"/>
+                      <a:endParaRPr lang="es-ES" sz="1800" b="0" i="0" u="none" strike="noStrike" dirty="0">
+                        <a:solidFill>
+                          <a:srgbClr val="000000"/>
+                        </a:solidFill>
+                        <a:effectLst/>
+                        <a:latin typeface="Calibri" panose="020F0502020204030204" pitchFamily="34" charset="0"/>
+                      </a:endParaRPr>
+                    </a:p>
+                  </a:txBody>
+                  <a:tcPr marL="3810" marR="3810" marT="3810" marB="0" anchor="b"/>
+                </a:tc>
+                <a:tc>
+                  <a:txBody>
+                    <a:bodyPr/>
+                    <a:lstStyle/>
+                    <a:p>
+                      <a:pPr algn="l" fontAlgn="b"/>
+                      <a:r>
+                        <a:rPr lang="en-US" sz="1800" u="none" strike="noStrike" dirty="0">
+                          <a:effectLst/>
+                        </a:rPr>
+                        <a:t>Status meetings and reports to stakeholders</a:t>
+                      </a:r>
+                      <a:endParaRPr lang="en-US" sz="1800" b="0" i="0" u="none" strike="noStrike" dirty="0">
+                        <a:solidFill>
+                          <a:srgbClr val="000000"/>
+                        </a:solidFill>
+                        <a:effectLst/>
+                        <a:latin typeface="Calibri" panose="020F0502020204030204" pitchFamily="34" charset="0"/>
+                      </a:endParaRPr>
+                    </a:p>
+                  </a:txBody>
+                  <a:tcPr marL="3810" marR="3810" marT="3810" marB="0" anchor="b"/>
+                </a:tc>
+                <a:tc>
+                  <a:txBody>
+                    <a:bodyPr/>
+                    <a:lstStyle/>
+                    <a:p>
+                      <a:pPr algn="l" fontAlgn="b"/>
+                      <a:r>
+                        <a:rPr lang="es-ES" sz="1800" u="none" strike="noStrike">
+                          <a:effectLst/>
+                        </a:rPr>
+                        <a:t>F2F / VC</a:t>
+                      </a:r>
+                      <a:endParaRPr lang="es-ES" sz="1800" b="0" i="0" u="none" strike="noStrike">
+                        <a:solidFill>
+                          <a:srgbClr val="000000"/>
+                        </a:solidFill>
+                        <a:effectLst/>
+                        <a:latin typeface="Calibri" panose="020F0502020204030204" pitchFamily="34" charset="0"/>
+                      </a:endParaRPr>
+                    </a:p>
+                  </a:txBody>
+                  <a:tcPr marL="3810" marR="3810" marT="3810" marB="0" anchor="b"/>
+                </a:tc>
+              </a:tr>
+              <a:tr h="406977">
+                <a:tc>
+                  <a:txBody>
+                    <a:bodyPr/>
+                    <a:lstStyle/>
+                    <a:p>
+                      <a:pPr algn="l" fontAlgn="b"/>
+                      <a:endParaRPr lang="es-ES" sz="1800" b="0" i="0" u="none" strike="noStrike" dirty="0">
+                        <a:solidFill>
+                          <a:srgbClr val="000000"/>
+                        </a:solidFill>
+                        <a:effectLst/>
+                        <a:latin typeface="Calibri" panose="020F0502020204030204" pitchFamily="34" charset="0"/>
+                      </a:endParaRPr>
+                    </a:p>
+                  </a:txBody>
+                  <a:tcPr marL="3810" marR="3810" marT="3810" marB="0" anchor="b"/>
+                </a:tc>
+                <a:tc>
+                  <a:txBody>
+                    <a:bodyPr/>
+                    <a:lstStyle/>
+                    <a:p>
+                      <a:pPr algn="l" fontAlgn="b"/>
+                      <a:r>
+                        <a:rPr lang="es-ES" sz="1800" u="none" strike="noStrike" dirty="0">
+                          <a:effectLst/>
+                        </a:rPr>
+                        <a:t>Project status </a:t>
+                      </a:r>
+                      <a:r>
+                        <a:rPr lang="es-ES" sz="1800" u="none" strike="noStrike" dirty="0" err="1">
+                          <a:effectLst/>
+                        </a:rPr>
+                        <a:t>reports</a:t>
+                      </a:r>
+                      <a:endParaRPr lang="es-ES" sz="1800" b="0" i="0" u="none" strike="noStrike" dirty="0">
+                        <a:solidFill>
+                          <a:srgbClr val="000000"/>
+                        </a:solidFill>
+                        <a:effectLst/>
+                        <a:latin typeface="Calibri" panose="020F0502020204030204" pitchFamily="34" charset="0"/>
+                      </a:endParaRPr>
+                    </a:p>
+                  </a:txBody>
+                  <a:tcPr marL="3810" marR="3810" marT="3810" marB="0" anchor="b"/>
+                </a:tc>
+                <a:tc>
+                  <a:txBody>
+                    <a:bodyPr/>
+                    <a:lstStyle/>
+                    <a:p>
+                      <a:pPr algn="l" fontAlgn="b"/>
+                      <a:r>
+                        <a:rPr lang="es-ES" sz="1800" u="none" strike="noStrike">
+                          <a:effectLst/>
+                        </a:rPr>
+                        <a:t>e-mail</a:t>
+                      </a:r>
+                      <a:endParaRPr lang="es-ES" sz="1800" b="0" i="0" u="none" strike="noStrike">
+                        <a:solidFill>
+                          <a:srgbClr val="000000"/>
+                        </a:solidFill>
+                        <a:effectLst/>
+                        <a:latin typeface="Calibri" panose="020F0502020204030204" pitchFamily="34" charset="0"/>
+                      </a:endParaRPr>
+                    </a:p>
+                  </a:txBody>
+                  <a:tcPr marL="3810" marR="3810" marT="3810" marB="0" anchor="b"/>
+                </a:tc>
+              </a:tr>
+              <a:tr h="406977">
+                <a:tc>
+                  <a:txBody>
+                    <a:bodyPr/>
+                    <a:lstStyle/>
+                    <a:p>
+                      <a:pPr algn="l" fontAlgn="b"/>
+                      <a:r>
+                        <a:rPr lang="es-ES" sz="1800" u="none" strike="noStrike">
+                          <a:effectLst/>
+                        </a:rPr>
+                        <a:t>Scheduled</a:t>
+                      </a:r>
+                      <a:endParaRPr lang="es-ES" sz="1800" b="0" i="0" u="none" strike="noStrike">
+                        <a:solidFill>
+                          <a:srgbClr val="000000"/>
+                        </a:solidFill>
+                        <a:effectLst/>
+                        <a:latin typeface="Calibri" panose="020F0502020204030204" pitchFamily="34" charset="0"/>
+                      </a:endParaRPr>
+                    </a:p>
+                  </a:txBody>
+                  <a:tcPr marL="3810" marR="3810" marT="3810" marB="0" anchor="b"/>
+                </a:tc>
+                <a:tc>
+                  <a:txBody>
+                    <a:bodyPr/>
+                    <a:lstStyle/>
+                    <a:p>
+                      <a:pPr algn="l" fontAlgn="b"/>
+                      <a:r>
+                        <a:rPr lang="es-ES" sz="1800" u="none" strike="noStrike" dirty="0" err="1">
+                          <a:effectLst/>
+                        </a:rPr>
+                        <a:t>Conferences</a:t>
+                      </a:r>
+                      <a:r>
+                        <a:rPr lang="es-ES" sz="1800" u="none" strike="noStrike" dirty="0">
+                          <a:effectLst/>
+                        </a:rPr>
+                        <a:t> </a:t>
+                      </a:r>
+                      <a:endParaRPr lang="es-ES" sz="1800" b="0" i="0" u="none" strike="noStrike" dirty="0">
+                        <a:solidFill>
+                          <a:srgbClr val="000000"/>
+                        </a:solidFill>
+                        <a:effectLst/>
+                        <a:latin typeface="Calibri" panose="020F0502020204030204" pitchFamily="34" charset="0"/>
+                      </a:endParaRPr>
+                    </a:p>
+                  </a:txBody>
+                  <a:tcPr marL="3810" marR="3810" marT="3810" marB="0" anchor="b"/>
+                </a:tc>
+                <a:tc>
+                  <a:txBody>
+                    <a:bodyPr/>
+                    <a:lstStyle/>
+                    <a:p>
+                      <a:pPr algn="l" fontAlgn="b"/>
+                      <a:r>
+                        <a:rPr lang="es-ES" sz="1800" u="none" strike="noStrike" dirty="0" err="1">
+                          <a:effectLst/>
+                        </a:rPr>
+                        <a:t>Conference</a:t>
+                      </a:r>
+                      <a:endParaRPr lang="es-ES" sz="1800" b="0" i="0" u="none" strike="noStrike" dirty="0">
+                        <a:solidFill>
+                          <a:srgbClr val="000000"/>
+                        </a:solidFill>
+                        <a:effectLst/>
+                        <a:latin typeface="Calibri" panose="020F0502020204030204" pitchFamily="34" charset="0"/>
+                      </a:endParaRPr>
+                    </a:p>
+                  </a:txBody>
+                  <a:tcPr marL="3810" marR="3810" marT="3810" marB="0" anchor="b"/>
+                </a:tc>
+              </a:tr>
+              <a:tr h="406977">
+                <a:tc>
+                  <a:txBody>
+                    <a:bodyPr/>
+                    <a:lstStyle/>
+                    <a:p>
+                      <a:pPr algn="l" fontAlgn="b"/>
+                      <a:endParaRPr lang="es-ES" sz="1800" b="0" i="0" u="none" strike="noStrike">
+                        <a:solidFill>
+                          <a:srgbClr val="000000"/>
+                        </a:solidFill>
+                        <a:effectLst/>
+                        <a:latin typeface="Calibri" panose="020F0502020204030204" pitchFamily="34" charset="0"/>
+                      </a:endParaRPr>
+                    </a:p>
+                  </a:txBody>
+                  <a:tcPr marL="3810" marR="3810" marT="3810" marB="0" anchor="b"/>
+                </a:tc>
+                <a:tc>
+                  <a:txBody>
+                    <a:bodyPr/>
+                    <a:lstStyle/>
+                    <a:p>
+                      <a:pPr algn="l" fontAlgn="b"/>
+                      <a:r>
+                        <a:rPr lang="es-ES" sz="1800" u="none" strike="noStrike" dirty="0" err="1">
+                          <a:effectLst/>
+                        </a:rPr>
+                        <a:t>Trade</a:t>
+                      </a:r>
+                      <a:r>
+                        <a:rPr lang="es-ES" sz="1800" u="none" strike="noStrike" dirty="0">
+                          <a:effectLst/>
+                        </a:rPr>
+                        <a:t> shows</a:t>
+                      </a:r>
+                      <a:endParaRPr lang="es-ES" sz="1800" b="0" i="0" u="none" strike="noStrike" dirty="0">
+                        <a:solidFill>
+                          <a:srgbClr val="000000"/>
+                        </a:solidFill>
+                        <a:effectLst/>
+                        <a:latin typeface="Calibri" panose="020F0502020204030204" pitchFamily="34" charset="0"/>
+                      </a:endParaRPr>
+                    </a:p>
+                  </a:txBody>
+                  <a:tcPr marL="3810" marR="3810" marT="3810" marB="0" anchor="b"/>
+                </a:tc>
+                <a:tc>
+                  <a:txBody>
+                    <a:bodyPr/>
+                    <a:lstStyle/>
+                    <a:p>
+                      <a:pPr algn="l" fontAlgn="b"/>
+                      <a:r>
+                        <a:rPr lang="es-ES" sz="1800" u="none" strike="noStrike" dirty="0" err="1">
+                          <a:effectLst/>
+                        </a:rPr>
+                        <a:t>Onsite</a:t>
+                      </a:r>
+                      <a:r>
+                        <a:rPr lang="es-ES" sz="1800" u="none" strike="noStrike" dirty="0">
+                          <a:effectLst/>
+                        </a:rPr>
+                        <a:t> stands</a:t>
+                      </a:r>
+                      <a:endParaRPr lang="es-ES" sz="1800" b="0" i="0" u="none" strike="noStrike" dirty="0">
+                        <a:solidFill>
+                          <a:srgbClr val="000000"/>
+                        </a:solidFill>
+                        <a:effectLst/>
+                        <a:latin typeface="Calibri" panose="020F0502020204030204" pitchFamily="34" charset="0"/>
+                      </a:endParaRPr>
+                    </a:p>
+                  </a:txBody>
+                  <a:tcPr marL="3810" marR="3810" marT="3810" marB="0" anchor="b"/>
+                </a:tc>
+              </a:tr>
+              <a:tr h="406977">
+                <a:tc>
+                  <a:txBody>
+                    <a:bodyPr/>
+                    <a:lstStyle/>
+                    <a:p>
+                      <a:pPr algn="l" fontAlgn="b"/>
+                      <a:r>
+                        <a:rPr lang="es-ES" sz="1800" u="none" strike="noStrike" dirty="0" err="1">
+                          <a:effectLst/>
+                        </a:rPr>
+                        <a:t>When</a:t>
+                      </a:r>
+                      <a:r>
+                        <a:rPr lang="es-ES" sz="1800" u="none" strike="noStrike" dirty="0">
+                          <a:effectLst/>
+                        </a:rPr>
+                        <a:t> </a:t>
+                      </a:r>
+                      <a:r>
+                        <a:rPr lang="es-ES" sz="1800" u="none" strike="noStrike" dirty="0" err="1">
+                          <a:effectLst/>
+                        </a:rPr>
+                        <a:t>available</a:t>
+                      </a:r>
+                      <a:endParaRPr lang="es-ES" sz="1800" b="0" i="0" u="none" strike="noStrike" dirty="0">
+                        <a:solidFill>
+                          <a:srgbClr val="000000"/>
+                        </a:solidFill>
+                        <a:effectLst/>
+                        <a:latin typeface="Calibri" panose="020F0502020204030204" pitchFamily="34" charset="0"/>
+                      </a:endParaRPr>
+                    </a:p>
+                  </a:txBody>
+                  <a:tcPr marL="3810" marR="3810" marT="3810" marB="0" anchor="b"/>
+                </a:tc>
+                <a:tc>
+                  <a:txBody>
+                    <a:bodyPr/>
+                    <a:lstStyle/>
+                    <a:p>
+                      <a:pPr algn="l" fontAlgn="b"/>
+                      <a:r>
+                        <a:rPr lang="es-ES" sz="1800" u="none" strike="noStrike" dirty="0" err="1">
+                          <a:effectLst/>
+                        </a:rPr>
+                        <a:t>Journal</a:t>
+                      </a:r>
+                      <a:r>
+                        <a:rPr lang="es-ES" sz="1800" u="none" strike="noStrike" dirty="0">
+                          <a:effectLst/>
+                        </a:rPr>
+                        <a:t> </a:t>
+                      </a:r>
+                      <a:r>
+                        <a:rPr lang="es-ES" sz="1800" u="none" strike="noStrike" dirty="0" err="1">
+                          <a:effectLst/>
+                        </a:rPr>
+                        <a:t>Articles</a:t>
+                      </a:r>
+                      <a:endParaRPr lang="es-ES" sz="1800" b="0" i="0" u="none" strike="noStrike" dirty="0">
+                        <a:solidFill>
+                          <a:srgbClr val="000000"/>
+                        </a:solidFill>
+                        <a:effectLst/>
+                        <a:latin typeface="Calibri" panose="020F0502020204030204" pitchFamily="34" charset="0"/>
+                      </a:endParaRPr>
+                    </a:p>
+                  </a:txBody>
+                  <a:tcPr marL="3810" marR="3810" marT="3810" marB="0" anchor="b"/>
+                </a:tc>
+                <a:tc>
+                  <a:txBody>
+                    <a:bodyPr/>
+                    <a:lstStyle/>
+                    <a:p>
+                      <a:pPr algn="l" fontAlgn="b"/>
+                      <a:r>
+                        <a:rPr lang="es-ES" sz="1800" u="none" strike="noStrike" dirty="0">
+                          <a:effectLst/>
+                        </a:rPr>
+                        <a:t>Digital </a:t>
+                      </a:r>
+                      <a:r>
+                        <a:rPr lang="es-ES" sz="1800" u="none" strike="noStrike" dirty="0" err="1">
+                          <a:effectLst/>
+                        </a:rPr>
+                        <a:t>or</a:t>
+                      </a:r>
+                      <a:r>
+                        <a:rPr lang="es-ES" sz="1800" u="none" strike="noStrike" dirty="0">
+                          <a:effectLst/>
+                        </a:rPr>
+                        <a:t> </a:t>
+                      </a:r>
+                      <a:r>
+                        <a:rPr lang="es-ES" sz="1800" u="none" strike="noStrike" dirty="0" err="1">
+                          <a:effectLst/>
+                        </a:rPr>
+                        <a:t>written</a:t>
+                      </a:r>
+                      <a:r>
+                        <a:rPr lang="es-ES" sz="1800" u="none" strike="noStrike" dirty="0">
+                          <a:effectLst/>
+                        </a:rPr>
+                        <a:t> </a:t>
+                      </a:r>
+                      <a:r>
+                        <a:rPr lang="es-ES" sz="1800" u="none" strike="noStrike" dirty="0" err="1">
+                          <a:effectLst/>
+                        </a:rPr>
+                        <a:t>platforms</a:t>
+                      </a:r>
+                      <a:endParaRPr lang="es-ES" sz="1800" b="0" i="0" u="none" strike="noStrike" dirty="0">
+                        <a:solidFill>
+                          <a:srgbClr val="000000"/>
+                        </a:solidFill>
+                        <a:effectLst/>
+                        <a:latin typeface="Calibri" panose="020F0502020204030204" pitchFamily="34" charset="0"/>
+                      </a:endParaRPr>
+                    </a:p>
+                  </a:txBody>
+                  <a:tcPr marL="3810" marR="3810" marT="3810" marB="0" anchor="b"/>
+                </a:tc>
+              </a:tr>
+            </a:tbl>
+          </a:graphicData>
+        </a:graphic>
+      </p:graphicFrame>
     </p:spTree>
     <p:extLst>
       <p:ext uri="{BB962C8B-B14F-4D97-AF65-F5344CB8AC3E}">
